--- a/English/6.Visuals/2.Lines and Area.pptx
+++ b/English/6.Visuals/2.Lines and Area.pptx
@@ -21,7 +21,7 @@
   <p:notesSz cx="6858000" cy="9144000"/>
   <p:defaultTextStyle>
     <a:defPPr>
-      <a:defRPr lang="en-US"/>
+      <a:defRPr lang="en"/>
     </a:defPPr>
     <a:lvl1pPr marL="0" algn="l" defTabSz="914400" rtl="0" eaLnBrk="1" latinLnBrk="0" hangingPunct="1">
       <a:defRPr sz="1800" kern="1200">
@@ -204,7 +204,7 @@
           <a:p>
             <a:fld id="{056BA3B8-9F76-4D81-B71D-76CB85363062}" type="datetimeFigureOut">
               <a:rPr lang="en-US" smtClean="0"/>
-              <a:t>1/4/2025</a:t>
+              <a:t>4/3/2025</a:t>
             </a:fld>
             <a:endParaRPr lang="en-US"/>
           </a:p>
@@ -603,7 +603,7 @@
           <a:p>
             <a:fld id="{6F01DA4D-20EA-48D2-973C-0311EC3005D6}" type="datetimeFigureOut">
               <a:rPr lang="en-US" smtClean="0"/>
-              <a:t>1/4/2025</a:t>
+              <a:t>4/3/2025</a:t>
             </a:fld>
             <a:endParaRPr lang="en-US"/>
           </a:p>
@@ -773,7 +773,7 @@
           <a:p>
             <a:fld id="{6F01DA4D-20EA-48D2-973C-0311EC3005D6}" type="datetimeFigureOut">
               <a:rPr lang="en-US" smtClean="0"/>
-              <a:t>1/4/2025</a:t>
+              <a:t>4/3/2025</a:t>
             </a:fld>
             <a:endParaRPr lang="en-US"/>
           </a:p>
@@ -953,7 +953,7 @@
           <a:p>
             <a:fld id="{6F01DA4D-20EA-48D2-973C-0311EC3005D6}" type="datetimeFigureOut">
               <a:rPr lang="en-US" smtClean="0"/>
-              <a:t>1/4/2025</a:t>
+              <a:t>4/3/2025</a:t>
             </a:fld>
             <a:endParaRPr lang="en-US"/>
           </a:p>
@@ -1123,7 +1123,7 @@
           <a:p>
             <a:fld id="{6F01DA4D-20EA-48D2-973C-0311EC3005D6}" type="datetimeFigureOut">
               <a:rPr lang="en-US" smtClean="0"/>
-              <a:t>1/4/2025</a:t>
+              <a:t>4/3/2025</a:t>
             </a:fld>
             <a:endParaRPr lang="en-US"/>
           </a:p>
@@ -1369,7 +1369,7 @@
           <a:p>
             <a:fld id="{6F01DA4D-20EA-48D2-973C-0311EC3005D6}" type="datetimeFigureOut">
               <a:rPr lang="en-US" smtClean="0"/>
-              <a:t>1/4/2025</a:t>
+              <a:t>4/3/2025</a:t>
             </a:fld>
             <a:endParaRPr lang="en-US"/>
           </a:p>
@@ -1601,7 +1601,7 @@
           <a:p>
             <a:fld id="{6F01DA4D-20EA-48D2-973C-0311EC3005D6}" type="datetimeFigureOut">
               <a:rPr lang="en-US" smtClean="0"/>
-              <a:t>1/4/2025</a:t>
+              <a:t>4/3/2025</a:t>
             </a:fld>
             <a:endParaRPr lang="en-US"/>
           </a:p>
@@ -1968,7 +1968,7 @@
           <a:p>
             <a:fld id="{6F01DA4D-20EA-48D2-973C-0311EC3005D6}" type="datetimeFigureOut">
               <a:rPr lang="en-US" smtClean="0"/>
-              <a:t>1/4/2025</a:t>
+              <a:t>4/3/2025</a:t>
             </a:fld>
             <a:endParaRPr lang="en-US"/>
           </a:p>
@@ -2086,7 +2086,7 @@
           <a:p>
             <a:fld id="{6F01DA4D-20EA-48D2-973C-0311EC3005D6}" type="datetimeFigureOut">
               <a:rPr lang="en-US" smtClean="0"/>
-              <a:t>1/4/2025</a:t>
+              <a:t>4/3/2025</a:t>
             </a:fld>
             <a:endParaRPr lang="en-US"/>
           </a:p>
@@ -2181,7 +2181,7 @@
           <a:p>
             <a:fld id="{6F01DA4D-20EA-48D2-973C-0311EC3005D6}" type="datetimeFigureOut">
               <a:rPr lang="en-US" smtClean="0"/>
-              <a:t>1/4/2025</a:t>
+              <a:t>4/3/2025</a:t>
             </a:fld>
             <a:endParaRPr lang="en-US"/>
           </a:p>
@@ -2458,7 +2458,7 @@
           <a:p>
             <a:fld id="{6F01DA4D-20EA-48D2-973C-0311EC3005D6}" type="datetimeFigureOut">
               <a:rPr lang="en-US" smtClean="0"/>
-              <a:t>1/4/2025</a:t>
+              <a:t>4/3/2025</a:t>
             </a:fld>
             <a:endParaRPr lang="en-US"/>
           </a:p>
@@ -2711,7 +2711,7 @@
           <a:p>
             <a:fld id="{6F01DA4D-20EA-48D2-973C-0311EC3005D6}" type="datetimeFigureOut">
               <a:rPr lang="en-US" smtClean="0"/>
-              <a:t>1/4/2025</a:t>
+              <a:t>4/3/2025</a:t>
             </a:fld>
             <a:endParaRPr lang="en-US"/>
           </a:p>
@@ -2924,7 +2924,7 @@
           <a:p>
             <a:fld id="{6F01DA4D-20EA-48D2-973C-0311EC3005D6}" type="datetimeFigureOut">
               <a:rPr lang="en-US" smtClean="0"/>
-              <a:t>1/4/2025</a:t>
+              <a:t>4/3/2025</a:t>
             </a:fld>
             <a:endParaRPr lang="en-US"/>
           </a:p>
@@ -3360,7 +3360,7 @@
           <a:lstStyle/>
           <a:p>
             <a:r>
-              <a:rPr lang="en-US" sz="8000" b="1" dirty="0" smtClean="0">
+              <a:rPr lang="en" sz="8000" b="1" dirty="0" smtClean="0">
                 <a:solidFill>
                   <a:srgbClr val="7030A0"/>
                 </a:solidFill>
@@ -3368,7 +3368,7 @@
                 <a:ea typeface="Verdana" panose="020B0604030504040204" pitchFamily="34" charset="0"/>
                 <a:cs typeface="Segoe UI" panose="020B0502040204020203" pitchFamily="34" charset="0"/>
               </a:rPr>
-              <a:t>Lines and Area</a:t>
+              <a:t>Lines and area</a:t>
             </a:r>
             <a:endParaRPr lang="en-US" sz="8000" b="1" dirty="0">
               <a:solidFill>
@@ -3404,7 +3404,7 @@
           <a:lstStyle/>
           <a:p>
             <a:r>
-              <a:rPr lang="en-US" sz="8000" b="1" dirty="0" smtClean="0">
+              <a:rPr lang="en" sz="8000" b="1" dirty="0" smtClean="0">
                 <a:solidFill>
                   <a:schemeClr val="bg1"/>
                 </a:solidFill>
@@ -3412,7 +3412,7 @@
                 <a:ea typeface="Verdana" panose="020B0604030504040204" pitchFamily="34" charset="0"/>
                 <a:cs typeface="Segoe UI" panose="020B0502040204020203" pitchFamily="34" charset="0"/>
               </a:rPr>
-              <a:t>Lines and Area</a:t>
+              <a:t>Lines and area</a:t>
             </a:r>
             <a:endParaRPr lang="en-US" sz="8000" b="1" dirty="0">
               <a:solidFill>
@@ -3478,11 +3478,11 @@
           <a:lstStyle/>
           <a:p>
             <a:r>
-              <a:rPr lang="en-US" sz="2400" dirty="0" smtClean="0">
+              <a:rPr lang="en" sz="2400" dirty="0" smtClean="0">
                 <a:latin typeface="Segoe UI" panose="020B0502040204020203" pitchFamily="34" charset="0"/>
                 <a:cs typeface="Segoe UI" panose="020B0502040204020203" pitchFamily="34" charset="0"/>
               </a:rPr>
-              <a:t>Lines and Areas</a:t>
+              <a:t>Lines and zones</a:t>
             </a:r>
             <a:endParaRPr lang="en-US" sz="2400" dirty="0">
               <a:latin typeface="Segoe UI" panose="020B0502040204020203" pitchFamily="34" charset="0"/>
@@ -3524,31 +3524,31 @@
               </a:spcAft>
             </a:pPr>
             <a:r>
-              <a:rPr lang="en-US" b="1" kern="0" dirty="0" smtClean="0">
+              <a:rPr lang="en" b="1" kern="0" dirty="0" smtClean="0">
                 <a:latin typeface="Segoe UI" panose="020B0502040204020203" pitchFamily="34" charset="0"/>
                 <a:ea typeface="Times New Roman" panose="02020603050405020304" pitchFamily="18" charset="0"/>
                 <a:cs typeface="Times New Roman" panose="02020603050405020304" pitchFamily="18" charset="0"/>
               </a:rPr>
-              <a:t>Note</a:t>
-            </a:r>
-            <a:r>
-              <a:rPr lang="fr-FR" b="1" kern="0" dirty="0" smtClean="0">
+              <a:t>Note: </a:t>
+            </a:r>
+            <a:r>
+              <a:rPr lang="en" kern="0" dirty="0" smtClean="0">
                 <a:latin typeface="Segoe UI" panose="020B0502040204020203" pitchFamily="34" charset="0"/>
                 <a:ea typeface="Times New Roman" panose="02020603050405020304" pitchFamily="18" charset="0"/>
                 <a:cs typeface="Times New Roman" panose="02020603050405020304" pitchFamily="18" charset="0"/>
               </a:rPr>
-              <a:t>: </a:t>
-            </a:r>
-            <a:r>
-              <a:rPr lang="en-US" kern="0" dirty="0" smtClean="0">
+              <a:t>This </a:t>
+            </a:r>
+            <a:r>
+              <a:rPr lang="en" kern="0" dirty="0" err="1">
                 <a:latin typeface="Segoe UI" panose="020B0502040204020203" pitchFamily="34" charset="0"/>
                 <a:ea typeface="Times New Roman" panose="02020603050405020304" pitchFamily="18" charset="0"/>
                 <a:cs typeface="Times New Roman" panose="02020603050405020304" pitchFamily="18" charset="0"/>
               </a:rPr>
-              <a:t>This</a:t>
-            </a:r>
-            <a:r>
-              <a:rPr lang="fr-FR" kern="0" dirty="0" smtClean="0">
+              <a:t>exercise</a:t>
+            </a:r>
+            <a:r>
+              <a:rPr lang="en" kern="0" dirty="0">
                 <a:latin typeface="Segoe UI" panose="020B0502040204020203" pitchFamily="34" charset="0"/>
                 <a:ea typeface="Times New Roman" panose="02020603050405020304" pitchFamily="18" charset="0"/>
                 <a:cs typeface="Times New Roman" panose="02020603050405020304" pitchFamily="18" charset="0"/>
@@ -3556,95 +3556,71 @@
               <a:t> </a:t>
             </a:r>
             <a:r>
-              <a:rPr lang="fr-FR" kern="0" dirty="0" err="1">
+              <a:rPr lang="en" kern="0" dirty="0" err="1">
                 <a:latin typeface="Segoe UI" panose="020B0502040204020203" pitchFamily="34" charset="0"/>
                 <a:ea typeface="Times New Roman" panose="02020603050405020304" pitchFamily="18" charset="0"/>
                 <a:cs typeface="Times New Roman" panose="02020603050405020304" pitchFamily="18" charset="0"/>
               </a:rPr>
-              <a:t>exercise</a:t>
-            </a:r>
-            <a:r>
-              <a:rPr lang="fr-FR" kern="0" dirty="0">
+              <a:t>requires </a:t>
+            </a:r>
+            <a:r>
+              <a:rPr lang="en" kern="0" dirty="0">
                 <a:latin typeface="Segoe UI" panose="020B0502040204020203" pitchFamily="34" charset="0"/>
                 <a:ea typeface="Times New Roman" panose="02020603050405020304" pitchFamily="18" charset="0"/>
                 <a:cs typeface="Times New Roman" panose="02020603050405020304" pitchFamily="18" charset="0"/>
               </a:rPr>
+              <a:t>AdventureWorksDW2016</a:t>
+            </a:r>
+            <a:r>
+              <a:rPr lang="en" kern="0" dirty="0" smtClean="0">
+                <a:latin typeface="Segoe UI" panose="020B0502040204020203" pitchFamily="34" charset="0"/>
+                <a:ea typeface="Times New Roman" panose="02020603050405020304" pitchFamily="18" charset="0"/>
+                <a:cs typeface="Times New Roman" panose="02020603050405020304" pitchFamily="18" charset="0"/>
+              </a:rPr>
               <a:t> </a:t>
             </a:r>
             <a:r>
-              <a:rPr lang="fr-FR" kern="0" dirty="0" err="1">
+              <a:rPr lang="en" kern="0" dirty="0" err="1" smtClean="0">
                 <a:latin typeface="Segoe UI" panose="020B0502040204020203" pitchFamily="34" charset="0"/>
                 <a:ea typeface="Times New Roman" panose="02020603050405020304" pitchFamily="18" charset="0"/>
                 <a:cs typeface="Times New Roman" panose="02020603050405020304" pitchFamily="18" charset="0"/>
               </a:rPr>
-              <a:t>requires</a:t>
-            </a:r>
-            <a:r>
-              <a:rPr lang="fr-FR" kern="0" dirty="0">
+              <a:t>database</a:t>
+            </a:r>
+            <a:r>
+              <a:rPr lang="en" kern="0" dirty="0" smtClean="0">
                 <a:latin typeface="Segoe UI" panose="020B0502040204020203" pitchFamily="34" charset="0"/>
                 <a:ea typeface="Times New Roman" panose="02020603050405020304" pitchFamily="18" charset="0"/>
                 <a:cs typeface="Times New Roman" panose="02020603050405020304" pitchFamily="18" charset="0"/>
               </a:rPr>
-              <a:t> the </a:t>
-            </a:r>
-            <a:r>
-              <a:rPr lang="fr-FR" b="1" kern="0" dirty="0" smtClean="0">
+              <a:t> </a:t>
+            </a:r>
+            <a:r>
+              <a:rPr lang="en" kern="0" dirty="0">
                 <a:latin typeface="Segoe UI" panose="020B0502040204020203" pitchFamily="34" charset="0"/>
                 <a:ea typeface="Times New Roman" panose="02020603050405020304" pitchFamily="18" charset="0"/>
                 <a:cs typeface="Times New Roman" panose="02020603050405020304" pitchFamily="18" charset="0"/>
               </a:rPr>
-              <a:t>AdventureWorksDW2016</a:t>
-            </a:r>
-            <a:r>
-              <a:rPr lang="fr-FR" kern="0" dirty="0" smtClean="0">
+              <a:t>to the </a:t>
+            </a:r>
+            <a:r>
+              <a:rPr lang="en" kern="0" dirty="0" err="1">
                 <a:latin typeface="Segoe UI" panose="020B0502040204020203" pitchFamily="34" charset="0"/>
                 <a:ea typeface="Times New Roman" panose="02020603050405020304" pitchFamily="18" charset="0"/>
                 <a:cs typeface="Times New Roman" panose="02020603050405020304" pitchFamily="18" charset="0"/>
               </a:rPr>
+              <a:t>resource</a:t>
+            </a:r>
+            <a:r>
+              <a:rPr lang="en" kern="0" dirty="0">
+                <a:latin typeface="Segoe UI" panose="020B0502040204020203" pitchFamily="34" charset="0"/>
+                <a:ea typeface="Times New Roman" panose="02020603050405020304" pitchFamily="18" charset="0"/>
+                <a:cs typeface="Times New Roman" panose="02020603050405020304" pitchFamily="18" charset="0"/>
+              </a:rPr>
               <a:t> </a:t>
             </a:r>
             <a:r>
-              <a:rPr lang="fr-FR" kern="0" dirty="0" err="1" smtClean="0">
-                <a:latin typeface="Segoe UI" panose="020B0502040204020203" pitchFamily="34" charset="0"/>
-                <a:ea typeface="Times New Roman" panose="02020603050405020304" pitchFamily="18" charset="0"/>
-                <a:cs typeface="Times New Roman" panose="02020603050405020304" pitchFamily="18" charset="0"/>
-              </a:rPr>
-              <a:t>database</a:t>
-            </a:r>
-            <a:r>
-              <a:rPr lang="fr-FR" kern="0" dirty="0" smtClean="0">
-                <a:latin typeface="Segoe UI" panose="020B0502040204020203" pitchFamily="34" charset="0"/>
-                <a:ea typeface="Times New Roman" panose="02020603050405020304" pitchFamily="18" charset="0"/>
-                <a:cs typeface="Times New Roman" panose="02020603050405020304" pitchFamily="18" charset="0"/>
-              </a:rPr>
-              <a:t> </a:t>
-            </a:r>
-            <a:r>
-              <a:rPr lang="fr-FR" kern="0" dirty="0">
-                <a:latin typeface="Segoe UI" panose="020B0502040204020203" pitchFamily="34" charset="0"/>
-                <a:ea typeface="Times New Roman" panose="02020603050405020304" pitchFamily="18" charset="0"/>
-                <a:cs typeface="Times New Roman" panose="02020603050405020304" pitchFamily="18" charset="0"/>
-              </a:rPr>
-              <a:t>at the </a:t>
-            </a:r>
-            <a:r>
-              <a:rPr lang="fr-FR" kern="0" dirty="0" err="1">
-                <a:latin typeface="Segoe UI" panose="020B0502040204020203" pitchFamily="34" charset="0"/>
-                <a:ea typeface="Times New Roman" panose="02020603050405020304" pitchFamily="18" charset="0"/>
-                <a:cs typeface="Times New Roman" panose="02020603050405020304" pitchFamily="18" charset="0"/>
-              </a:rPr>
-              <a:t>resource</a:t>
-            </a:r>
-            <a:r>
-              <a:rPr lang="fr-FR" kern="0" dirty="0">
-                <a:latin typeface="Segoe UI" panose="020B0502040204020203" pitchFamily="34" charset="0"/>
-                <a:ea typeface="Times New Roman" panose="02020603050405020304" pitchFamily="18" charset="0"/>
-                <a:cs typeface="Times New Roman" panose="02020603050405020304" pitchFamily="18" charset="0"/>
-              </a:rPr>
-              <a:t> </a:t>
-            </a:r>
-            <a:r>
-              <a:rPr lang="fr-FR" kern="0" dirty="0" err="1">
+              <a:rPr lang="en" kern="0" dirty="0" err="1">
                 <a:latin typeface="Segoe UI" panose="020B0502040204020203" pitchFamily="34" charset="0"/>
                 <a:ea typeface="Times New Roman" panose="02020603050405020304" pitchFamily="18" charset="0"/>
                 <a:cs typeface="Times New Roman" panose="02020603050405020304" pitchFamily="18" charset="0"/>
@@ -3693,39 +3669,39 @@
               </a:spcAft>
             </a:pPr>
             <a:r>
-              <a:rPr lang="en-US" kern="0" dirty="0" smtClean="0">
+              <a:rPr lang="en" kern="0" dirty="0" smtClean="0">
                 <a:latin typeface="Segoe UI" panose="020B0502040204020203" pitchFamily="34" charset="0"/>
                 <a:ea typeface="Calibri" panose="020F0502020204030204" pitchFamily="34" charset="0"/>
                 <a:cs typeface="Times New Roman" panose="02020603050405020304" pitchFamily="18" charset="0"/>
               </a:rPr>
-              <a:t>A</a:t>
-            </a:r>
-            <a:r>
-              <a:rPr lang="en-US" dirty="0" smtClean="0">
+              <a:t>Add </a:t>
+            </a:r>
+            <a:r>
+              <a:rPr lang="en" dirty="0" smtClean="0">
                 <a:latin typeface="Segoe UI" panose="020B0502040204020203" pitchFamily="34" charset="0"/>
                 <a:ea typeface="Calibri" panose="020F0502020204030204" pitchFamily="34" charset="0"/>
                 <a:cs typeface="Times New Roman" panose="02020603050405020304" pitchFamily="18" charset="0"/>
               </a:rPr>
-              <a:t>dd the </a:t>
-            </a:r>
-            <a:r>
-              <a:rPr lang="en-US" b="1" dirty="0" smtClean="0">
+              <a:t>the </a:t>
+            </a:r>
+            <a:r>
+              <a:rPr lang="en" b="1" dirty="0" smtClean="0">
                 <a:latin typeface="Segoe UI" panose="020B0502040204020203" pitchFamily="34" charset="0"/>
                 <a:ea typeface="Calibri" panose="020F0502020204030204" pitchFamily="34" charset="0"/>
                 <a:cs typeface="Times New Roman" panose="02020603050405020304" pitchFamily="18" charset="0"/>
               </a:rPr>
-              <a:t>Line visualization </a:t>
-            </a:r>
-            <a:r>
-              <a:rPr lang="en-US" dirty="0" smtClean="0">
+              <a:t>line visualization </a:t>
+            </a:r>
+            <a:r>
+              <a:rPr lang="en" dirty="0" smtClean="0">
                 <a:latin typeface="Segoe UI" panose="020B0502040204020203" pitchFamily="34" charset="0"/>
                 <a:ea typeface="Calibri" panose="020F0502020204030204" pitchFamily="34" charset="0"/>
                 <a:cs typeface="Times New Roman" panose="02020603050405020304" pitchFamily="18" charset="0"/>
               </a:rPr>
-              <a:t>at the scene level and then add </a:t>
-            </a:r>
-            <a:r>
-              <a:rPr lang="en-US" b="1" dirty="0" err="1" smtClean="0">
+              <a:t>at the scene level, then add </a:t>
+            </a:r>
+            <a:r>
+              <a:rPr lang="en" b="1" dirty="0" err="1" smtClean="0">
                 <a:latin typeface="Segoe UI" panose="020B0502040204020203" pitchFamily="34" charset="0"/>
                 <a:ea typeface="Calibri" panose="020F0502020204030204" pitchFamily="34" charset="0"/>
                 <a:cs typeface="Times New Roman" panose="02020603050405020304" pitchFamily="18" charset="0"/>
@@ -3733,7 +3709,7 @@
               <a:t>UnitPrice</a:t>
             </a:r>
             <a:r>
-              <a:rPr lang="en-US" b="1" dirty="0" smtClean="0">
+              <a:rPr lang="en" b="1" dirty="0" smtClean="0">
                 <a:latin typeface="Segoe UI" panose="020B0502040204020203" pitchFamily="34" charset="0"/>
                 <a:ea typeface="Calibri" panose="020F0502020204030204" pitchFamily="34" charset="0"/>
                 <a:cs typeface="Times New Roman" panose="02020603050405020304" pitchFamily="18" charset="0"/>
@@ -3741,7 +3717,7 @@
               <a:t> </a:t>
             </a:r>
             <a:r>
-              <a:rPr lang="en-US" dirty="0" smtClean="0">
+              <a:rPr lang="en" dirty="0" smtClean="0">
                 <a:latin typeface="Segoe UI" panose="020B0502040204020203" pitchFamily="34" charset="0"/>
                 <a:ea typeface="Calibri" panose="020F0502020204030204" pitchFamily="34" charset="0"/>
                 <a:cs typeface="Times New Roman" panose="02020603050405020304" pitchFamily="18" charset="0"/>
@@ -3749,7 +3725,7 @@
               <a:t>and </a:t>
             </a:r>
             <a:r>
-              <a:rPr lang="en-US" b="1" dirty="0" err="1" smtClean="0">
+              <a:rPr lang="en" b="1" dirty="0" err="1" smtClean="0">
                 <a:latin typeface="Segoe UI" panose="020B0502040204020203" pitchFamily="34" charset="0"/>
                 <a:ea typeface="Calibri" panose="020F0502020204030204" pitchFamily="34" charset="0"/>
                 <a:cs typeface="Times New Roman" panose="02020603050405020304" pitchFamily="18" charset="0"/>
@@ -3757,7 +3733,7 @@
               <a:t>TotalProductCost</a:t>
             </a:r>
             <a:r>
-              <a:rPr lang="en-US" b="1" dirty="0" smtClean="0">
+              <a:rPr lang="en" b="1" dirty="0" smtClean="0">
                 <a:latin typeface="Segoe UI" panose="020B0502040204020203" pitchFamily="34" charset="0"/>
                 <a:ea typeface="Calibri" panose="020F0502020204030204" pitchFamily="34" charset="0"/>
                 <a:cs typeface="Times New Roman" panose="02020603050405020304" pitchFamily="18" charset="0"/>
@@ -3765,7 +3741,7 @@
               <a:t> </a:t>
             </a:r>
             <a:r>
-              <a:rPr lang="en-US" dirty="0" smtClean="0">
+              <a:rPr lang="en" dirty="0" smtClean="0">
                 <a:latin typeface="Segoe UI" panose="020B0502040204020203" pitchFamily="34" charset="0"/>
                 <a:ea typeface="Calibri" panose="020F0502020204030204" pitchFamily="34" charset="0"/>
                 <a:cs typeface="Times New Roman" panose="02020603050405020304" pitchFamily="18" charset="0"/>
@@ -3773,12 +3749,12 @@
               <a:t>to the </a:t>
             </a:r>
             <a:r>
-              <a:rPr lang="en-US" b="1" dirty="0" smtClean="0">
+              <a:rPr lang="en" b="1" dirty="0" smtClean="0">
                 <a:latin typeface="Segoe UI" panose="020B0502040204020203" pitchFamily="34" charset="0"/>
                 <a:ea typeface="Calibri" panose="020F0502020204030204" pitchFamily="34" charset="0"/>
                 <a:cs typeface="Times New Roman" panose="02020603050405020304" pitchFamily="18" charset="0"/>
               </a:rPr>
-              <a:t>Y-Axis</a:t>
+              <a:t>Y axis</a:t>
             </a:r>
             <a:endParaRPr lang="en-US" sz="1400" dirty="0">
               <a:effectLst/>
@@ -4042,11 +4018,11 @@
           <a:lstStyle/>
           <a:p>
             <a:r>
-              <a:rPr lang="en-US" sz="2400" dirty="0" smtClean="0">
+              <a:rPr lang="en" sz="2400" dirty="0" smtClean="0">
                 <a:latin typeface="Segoe UI" panose="020B0502040204020203" pitchFamily="34" charset="0"/>
                 <a:cs typeface="Segoe UI" panose="020B0502040204020203" pitchFamily="34" charset="0"/>
               </a:rPr>
-              <a:t>Lines and Areas</a:t>
+              <a:t>Lines and zones</a:t>
             </a:r>
             <a:endParaRPr lang="en-US" sz="2400" dirty="0">
               <a:latin typeface="Segoe UI" panose="020B0502040204020203" pitchFamily="34" charset="0"/>
@@ -4085,7 +4061,7 @@
               </a:spcAft>
             </a:pPr>
             <a:r>
-              <a:rPr lang="fr-FR" dirty="0">
+              <a:rPr lang="en" dirty="0">
                 <a:latin typeface="Segoe UI" panose="020B0502040204020203" pitchFamily="34" charset="0"/>
                 <a:ea typeface="Calibri" panose="020F0502020204030204" pitchFamily="34" charset="0"/>
                 <a:cs typeface="Times New Roman" panose="02020603050405020304" pitchFamily="18" charset="0"/>
@@ -4093,7 +4069,7 @@
               <a:t>And </a:t>
             </a:r>
             <a:r>
-              <a:rPr lang="fr-FR" dirty="0" err="1">
+              <a:rPr lang="en" dirty="0" err="1">
                 <a:latin typeface="Segoe UI" panose="020B0502040204020203" pitchFamily="34" charset="0"/>
                 <a:ea typeface="Calibri" panose="020F0502020204030204" pitchFamily="34" charset="0"/>
                 <a:cs typeface="Times New Roman" panose="02020603050405020304" pitchFamily="18" charset="0"/>
@@ -4101,7 +4077,7 @@
               <a:t>then</a:t>
             </a:r>
             <a:r>
-              <a:rPr lang="fr-FR" dirty="0">
+              <a:rPr lang="en" dirty="0">
                 <a:latin typeface="Segoe UI" panose="020B0502040204020203" pitchFamily="34" charset="0"/>
                 <a:ea typeface="Calibri" panose="020F0502020204030204" pitchFamily="34" charset="0"/>
                 <a:cs typeface="Times New Roman" panose="02020603050405020304" pitchFamily="18" charset="0"/>
@@ -4109,7 +4085,7 @@
               <a:t> </a:t>
             </a:r>
             <a:r>
-              <a:rPr lang="fr-FR" dirty="0" err="1">
+              <a:rPr lang="en" dirty="0" err="1">
                 <a:latin typeface="Segoe UI" panose="020B0502040204020203" pitchFamily="34" charset="0"/>
                 <a:ea typeface="Calibri" panose="020F0502020204030204" pitchFamily="34" charset="0"/>
                 <a:cs typeface="Times New Roman" panose="02020603050405020304" pitchFamily="18" charset="0"/>
@@ -4117,7 +4093,7 @@
               <a:t>add</a:t>
             </a:r>
             <a:r>
-              <a:rPr lang="fr-FR" dirty="0">
+              <a:rPr lang="en" dirty="0">
                 <a:latin typeface="Segoe UI" panose="020B0502040204020203" pitchFamily="34" charset="0"/>
                 <a:ea typeface="Calibri" panose="020F0502020204030204" pitchFamily="34" charset="0"/>
                 <a:cs typeface="Times New Roman" panose="02020603050405020304" pitchFamily="18" charset="0"/>
@@ -4125,15 +4101,15 @@
               <a:t> </a:t>
             </a:r>
             <a:r>
-              <a:rPr lang="fr-FR" b="1" dirty="0" err="1" smtClean="0">
+              <a:rPr lang="en" b="1" dirty="0" err="1" smtClean="0">
                 <a:latin typeface="Segoe UI" panose="020B0502040204020203" pitchFamily="34" charset="0"/>
                 <a:ea typeface="Calibri" panose="020F0502020204030204" pitchFamily="34" charset="0"/>
                 <a:cs typeface="Times New Roman" panose="02020603050405020304" pitchFamily="18" charset="0"/>
               </a:rPr>
-              <a:t>CalendarYear</a:t>
-            </a:r>
-            <a:r>
-              <a:rPr lang="fr-FR" b="1" dirty="0" smtClean="0">
+              <a:t>Calendar year</a:t>
+            </a:r>
+            <a:r>
+              <a:rPr lang="en" b="1" dirty="0" smtClean="0">
                 <a:latin typeface="Segoe UI" panose="020B0502040204020203" pitchFamily="34" charset="0"/>
                 <a:ea typeface="Calibri" panose="020F0502020204030204" pitchFamily="34" charset="0"/>
                 <a:cs typeface="Times New Roman" panose="02020603050405020304" pitchFamily="18" charset="0"/>
@@ -4141,7 +4117,7 @@
               <a:t> </a:t>
             </a:r>
             <a:r>
-              <a:rPr lang="fr-FR" dirty="0">
+              <a:rPr lang="en" dirty="0">
                 <a:latin typeface="Segoe UI" panose="020B0502040204020203" pitchFamily="34" charset="0"/>
                 <a:ea typeface="Calibri" panose="020F0502020204030204" pitchFamily="34" charset="0"/>
                 <a:cs typeface="Times New Roman" panose="02020603050405020304" pitchFamily="18" charset="0"/>
@@ -4149,15 +4125,15 @@
               <a:t>and </a:t>
             </a:r>
             <a:r>
-              <a:rPr lang="fr-FR" b="1" dirty="0" err="1" smtClean="0">
+              <a:rPr lang="en" b="1" dirty="0" err="1" smtClean="0">
                 <a:latin typeface="Segoe UI" panose="020B0502040204020203" pitchFamily="34" charset="0"/>
                 <a:ea typeface="Calibri" panose="020F0502020204030204" pitchFamily="34" charset="0"/>
                 <a:cs typeface="Times New Roman" panose="02020603050405020304" pitchFamily="18" charset="0"/>
               </a:rPr>
-              <a:t>EnglishMonthName</a:t>
-            </a:r>
-            <a:r>
-              <a:rPr lang="fr-FR" b="1" dirty="0" smtClean="0">
+              <a:t>the name of the month in English</a:t>
+            </a:r>
+            <a:r>
+              <a:rPr lang="en" b="1" dirty="0" smtClean="0">
                 <a:latin typeface="Segoe UI" panose="020B0502040204020203" pitchFamily="34" charset="0"/>
                 <a:ea typeface="Calibri" panose="020F0502020204030204" pitchFamily="34" charset="0"/>
                 <a:cs typeface="Times New Roman" panose="02020603050405020304" pitchFamily="18" charset="0"/>
@@ -4165,7 +4141,7 @@
               <a:t> </a:t>
             </a:r>
             <a:r>
-              <a:rPr lang="fr-FR" dirty="0">
+              <a:rPr lang="en" dirty="0">
                 <a:latin typeface="Segoe UI" panose="020B0502040204020203" pitchFamily="34" charset="0"/>
                 <a:ea typeface="Calibri" panose="020F0502020204030204" pitchFamily="34" charset="0"/>
                 <a:cs typeface="Times New Roman" panose="02020603050405020304" pitchFamily="18" charset="0"/>
@@ -4173,12 +4149,12 @@
               <a:t>to </a:t>
             </a:r>
             <a:r>
-              <a:rPr lang="fr-FR" dirty="0" smtClean="0">
+              <a:rPr lang="en" dirty="0" smtClean="0">
                 <a:latin typeface="Segoe UI" panose="020B0502040204020203" pitchFamily="34" charset="0"/>
                 <a:ea typeface="Calibri" panose="020F0502020204030204" pitchFamily="34" charset="0"/>
                 <a:cs typeface="Times New Roman" panose="02020603050405020304" pitchFamily="18" charset="0"/>
               </a:rPr>
-              <a:t>the X-axis</a:t>
+              <a:t>the X axis</a:t>
             </a:r>
             <a:endParaRPr lang="en-US" sz="1400" dirty="0">
               <a:effectLst/>
@@ -4276,11 +4252,11 @@
           <a:lstStyle/>
           <a:p>
             <a:r>
-              <a:rPr lang="en-US" sz="2400" dirty="0" smtClean="0">
+              <a:rPr lang="en" sz="2400" dirty="0" smtClean="0">
                 <a:latin typeface="Segoe UI" panose="020B0502040204020203" pitchFamily="34" charset="0"/>
                 <a:cs typeface="Segoe UI" panose="020B0502040204020203" pitchFamily="34" charset="0"/>
               </a:rPr>
-              <a:t>Lines and Areas</a:t>
+              <a:t>Lines and zones</a:t>
             </a:r>
             <a:endParaRPr lang="en-US" sz="2400" dirty="0">
               <a:latin typeface="Segoe UI" panose="020B0502040204020203" pitchFamily="34" charset="0"/>
@@ -4321,23 +4297,23 @@
               <a:buChar char="•"/>
             </a:pPr>
             <a:r>
-              <a:rPr lang="en-US" dirty="0" smtClean="0">
+              <a:rPr lang="en" dirty="0" smtClean="0">
                 <a:latin typeface="Segoe UI" panose="020B0502040204020203" pitchFamily="34" charset="0"/>
                 <a:ea typeface="Calibri" panose="020F0502020204030204" pitchFamily="34" charset="0"/>
                 <a:cs typeface="Times New Roman" panose="02020603050405020304" pitchFamily="18" charset="0"/>
               </a:rPr>
-              <a:t>Change Visualization to </a:t>
-            </a:r>
-            <a:r>
-              <a:rPr lang="en-US" b="1" dirty="0" smtClean="0">
+              <a:t>Change the visualization to </a:t>
+            </a:r>
+            <a:r>
+              <a:rPr lang="en" b="1" dirty="0" smtClean="0">
                 <a:latin typeface="Segoe UI" panose="020B0502040204020203" pitchFamily="34" charset="0"/>
                 <a:ea typeface="Calibri" panose="020F0502020204030204" pitchFamily="34" charset="0"/>
                 <a:cs typeface="Times New Roman" panose="02020603050405020304" pitchFamily="18" charset="0"/>
               </a:rPr>
-              <a:t>Area</a:t>
-            </a:r>
-            <a:r>
-              <a:rPr lang="en-US" dirty="0" smtClean="0">
+              <a:t>zone</a:t>
+            </a:r>
+            <a:r>
+              <a:rPr lang="en" dirty="0" smtClean="0">
                 <a:latin typeface="Segoe UI" panose="020B0502040204020203" pitchFamily="34" charset="0"/>
                 <a:ea typeface="Calibri" panose="020F0502020204030204" pitchFamily="34" charset="0"/>
                 <a:cs typeface="Times New Roman" panose="02020603050405020304" pitchFamily="18" charset="0"/>
@@ -4429,11 +4405,11 @@
           <a:lstStyle/>
           <a:p>
             <a:r>
-              <a:rPr lang="en-US" sz="2400" dirty="0" smtClean="0">
+              <a:rPr lang="en" sz="2400" dirty="0" smtClean="0">
                 <a:latin typeface="Segoe UI" panose="020B0502040204020203" pitchFamily="34" charset="0"/>
                 <a:cs typeface="Segoe UI" panose="020B0502040204020203" pitchFamily="34" charset="0"/>
               </a:rPr>
-              <a:t>Lines and Areas</a:t>
+              <a:t>Lines and zones</a:t>
             </a:r>
             <a:endParaRPr lang="en-US" sz="2400" dirty="0">
               <a:latin typeface="Segoe UI" panose="020B0502040204020203" pitchFamily="34" charset="0"/>
@@ -4474,23 +4450,23 @@
               <a:buChar char="•"/>
             </a:pPr>
             <a:r>
-              <a:rPr lang="en-US" dirty="0" smtClean="0">
+              <a:rPr lang="en" dirty="0" smtClean="0">
                 <a:latin typeface="Segoe UI" panose="020B0502040204020203" pitchFamily="34" charset="0"/>
                 <a:ea typeface="Calibri" panose="020F0502020204030204" pitchFamily="34" charset="0"/>
                 <a:cs typeface="Times New Roman" panose="02020603050405020304" pitchFamily="18" charset="0"/>
               </a:rPr>
-              <a:t>Change Visualization to </a:t>
-            </a:r>
-            <a:r>
-              <a:rPr lang="en-US" b="1" dirty="0" smtClean="0">
+              <a:t>Change the visualization to </a:t>
+            </a:r>
+            <a:r>
+              <a:rPr lang="en" b="1" dirty="0" smtClean="0">
                 <a:latin typeface="Segoe UI" panose="020B0502040204020203" pitchFamily="34" charset="0"/>
                 <a:ea typeface="Calibri" panose="020F0502020204030204" pitchFamily="34" charset="0"/>
                 <a:cs typeface="Times New Roman" panose="02020603050405020304" pitchFamily="18" charset="0"/>
               </a:rPr>
-              <a:t>Stacked</a:t>
-            </a:r>
-            <a:r>
-              <a:rPr lang="en-US" dirty="0" smtClean="0">
+              <a:t>stacked</a:t>
+            </a:r>
+            <a:r>
+              <a:rPr lang="en" dirty="0" smtClean="0">
                 <a:latin typeface="Segoe UI" panose="020B0502040204020203" pitchFamily="34" charset="0"/>
                 <a:ea typeface="Calibri" panose="020F0502020204030204" pitchFamily="34" charset="0"/>
                 <a:cs typeface="Times New Roman" panose="02020603050405020304" pitchFamily="18" charset="0"/>
@@ -4498,7 +4474,7 @@
               <a:t> </a:t>
             </a:r>
             <a:r>
-              <a:rPr lang="en-US" b="1" dirty="0" smtClean="0">
+              <a:rPr lang="en" b="1" dirty="0" smtClean="0">
                 <a:latin typeface="Segoe UI" panose="020B0502040204020203" pitchFamily="34" charset="0"/>
                 <a:ea typeface="Calibri" panose="020F0502020204030204" pitchFamily="34" charset="0"/>
                 <a:cs typeface="Times New Roman" panose="02020603050405020304" pitchFamily="18" charset="0"/>
@@ -4506,7 +4482,7 @@
               <a:t>Area</a:t>
             </a:r>
             <a:r>
-              <a:rPr lang="en-US" dirty="0" smtClean="0">
+              <a:rPr lang="en" dirty="0" smtClean="0">
                 <a:latin typeface="Segoe UI" panose="020B0502040204020203" pitchFamily="34" charset="0"/>
                 <a:ea typeface="Calibri" panose="020F0502020204030204" pitchFamily="34" charset="0"/>
                 <a:cs typeface="Times New Roman" panose="02020603050405020304" pitchFamily="18" charset="0"/>
@@ -4598,11 +4574,11 @@
           <a:lstStyle/>
           <a:p>
             <a:r>
-              <a:rPr lang="en-US" sz="2400" dirty="0" smtClean="0">
+              <a:rPr lang="en" sz="2400" dirty="0" smtClean="0">
                 <a:latin typeface="Segoe UI" panose="020B0502040204020203" pitchFamily="34" charset="0"/>
                 <a:cs typeface="Segoe UI" panose="020B0502040204020203" pitchFamily="34" charset="0"/>
               </a:rPr>
-              <a:t>Lines and Areas</a:t>
+              <a:t>Lines and zones</a:t>
             </a:r>
             <a:endParaRPr lang="en-US" sz="2400" dirty="0">
               <a:latin typeface="Segoe UI" panose="020B0502040204020203" pitchFamily="34" charset="0"/>
@@ -4643,15 +4619,15 @@
               <a:buChar char="•"/>
             </a:pPr>
             <a:r>
-              <a:rPr lang="fr-FR" dirty="0" err="1" smtClean="0">
+              <a:rPr lang="en" dirty="0" err="1" smtClean="0">
                 <a:latin typeface="Segoe UI" panose="020B0502040204020203" pitchFamily="34" charset="0"/>
                 <a:ea typeface="Calibri" panose="020F0502020204030204" pitchFamily="34" charset="0"/>
                 <a:cs typeface="Times New Roman" panose="02020603050405020304" pitchFamily="18" charset="0"/>
               </a:rPr>
-              <a:t>Try</a:t>
-            </a:r>
-            <a:r>
-              <a:rPr lang="fr-FR" dirty="0" smtClean="0">
+              <a:t>To try</a:t>
+            </a:r>
+            <a:r>
+              <a:rPr lang="en" dirty="0" smtClean="0">
                 <a:latin typeface="Segoe UI" panose="020B0502040204020203" pitchFamily="34" charset="0"/>
                 <a:ea typeface="Calibri" panose="020F0502020204030204" pitchFamily="34" charset="0"/>
                 <a:cs typeface="Times New Roman" panose="02020603050405020304" pitchFamily="18" charset="0"/>
@@ -4659,7 +4635,7 @@
               <a:t> </a:t>
             </a:r>
             <a:r>
-              <a:rPr lang="fr-FR" dirty="0">
+              <a:rPr lang="en" dirty="0">
                 <a:latin typeface="Segoe UI" panose="020B0502040204020203" pitchFamily="34" charset="0"/>
                 <a:ea typeface="Calibri" panose="020F0502020204030204" pitchFamily="34" charset="0"/>
                 <a:cs typeface="Times New Roman" panose="02020603050405020304" pitchFamily="18" charset="0"/>
@@ -4667,31 +4643,39 @@
               <a:t>to notice </a:t>
             </a:r>
             <a:r>
-              <a:rPr lang="en-US" dirty="0" smtClean="0">
+              <a:rPr lang="en" dirty="0" smtClean="0">
                 <a:latin typeface="Segoe UI" panose="020B0502040204020203" pitchFamily="34" charset="0"/>
                 <a:ea typeface="Calibri" panose="020F0502020204030204" pitchFamily="34" charset="0"/>
                 <a:cs typeface="Times New Roman" panose="02020603050405020304" pitchFamily="18" charset="0"/>
               </a:rPr>
-              <a:t>the</a:t>
-            </a:r>
-            <a:r>
-              <a:rPr lang="fr-FR" dirty="0" smtClean="0">
+              <a:t>the </a:t>
+            </a:r>
+            <a:r>
+              <a:rPr lang="en" dirty="0" err="1">
                 <a:latin typeface="Segoe UI" panose="020B0502040204020203" pitchFamily="34" charset="0"/>
                 <a:ea typeface="Calibri" panose="020F0502020204030204" pitchFamily="34" charset="0"/>
                 <a:cs typeface="Times New Roman" panose="02020603050405020304" pitchFamily="18" charset="0"/>
               </a:rPr>
+              <a:t>difference</a:t>
+            </a:r>
+            <a:r>
+              <a:rPr lang="en" dirty="0">
+                <a:latin typeface="Segoe UI" panose="020B0502040204020203" pitchFamily="34" charset="0"/>
+                <a:ea typeface="Calibri" panose="020F0502020204030204" pitchFamily="34" charset="0"/>
+                <a:cs typeface="Times New Roman" panose="02020603050405020304" pitchFamily="18" charset="0"/>
+              </a:rPr>
               <a:t> </a:t>
             </a:r>
             <a:r>
-              <a:rPr lang="fr-FR" dirty="0" err="1">
+              <a:rPr lang="en" dirty="0" err="1">
                 <a:latin typeface="Segoe UI" panose="020B0502040204020203" pitchFamily="34" charset="0"/>
                 <a:ea typeface="Calibri" panose="020F0502020204030204" pitchFamily="34" charset="0"/>
                 <a:cs typeface="Times New Roman" panose="02020603050405020304" pitchFamily="18" charset="0"/>
               </a:rPr>
-              <a:t>difference</a:t>
-            </a:r>
-            <a:r>
-              <a:rPr lang="fr-FR" dirty="0">
+              <a:t>between</a:t>
+            </a:r>
+            <a:r>
+              <a:rPr lang="en" dirty="0">
                 <a:latin typeface="Segoe UI" panose="020B0502040204020203" pitchFamily="34" charset="0"/>
                 <a:ea typeface="Calibri" panose="020F0502020204030204" pitchFamily="34" charset="0"/>
                 <a:cs typeface="Times New Roman" panose="02020603050405020304" pitchFamily="18" charset="0"/>
@@ -4699,55 +4683,39 @@
               <a:t> </a:t>
             </a:r>
             <a:r>
-              <a:rPr lang="fr-FR" dirty="0" err="1">
+              <a:rPr lang="en" b="1" dirty="0">
                 <a:latin typeface="Segoe UI" panose="020B0502040204020203" pitchFamily="34" charset="0"/>
                 <a:ea typeface="Calibri" panose="020F0502020204030204" pitchFamily="34" charset="0"/>
                 <a:cs typeface="Times New Roman" panose="02020603050405020304" pitchFamily="18" charset="0"/>
               </a:rPr>
-              <a:t>between</a:t>
-            </a:r>
-            <a:r>
-              <a:rPr lang="fr-FR" dirty="0">
+              <a:t>Surface </a:t>
+            </a:r>
+            <a:r>
+              <a:rPr lang="en" dirty="0">
                 <a:latin typeface="Segoe UI" panose="020B0502040204020203" pitchFamily="34" charset="0"/>
                 <a:ea typeface="Calibri" panose="020F0502020204030204" pitchFamily="34" charset="0"/>
                 <a:cs typeface="Times New Roman" panose="02020603050405020304" pitchFamily="18" charset="0"/>
               </a:rPr>
+              <a:t>and </a:t>
+            </a:r>
+            <a:r>
+              <a:rPr lang="en" b="1" dirty="0" err="1">
+                <a:latin typeface="Segoe UI" panose="020B0502040204020203" pitchFamily="34" charset="0"/>
+                <a:ea typeface="Calibri" panose="020F0502020204030204" pitchFamily="34" charset="0"/>
+                <a:cs typeface="Times New Roman" panose="02020603050405020304" pitchFamily="18" charset="0"/>
+              </a:rPr>
+              <a:t>stacking</a:t>
+            </a:r>
+            <a:r>
+              <a:rPr lang="en" b="1" dirty="0">
+                <a:latin typeface="Segoe UI" panose="020B0502040204020203" pitchFamily="34" charset="0"/>
+                <a:ea typeface="Calibri" panose="020F0502020204030204" pitchFamily="34" charset="0"/>
+                <a:cs typeface="Times New Roman" panose="02020603050405020304" pitchFamily="18" charset="0"/>
+              </a:rPr>
               <a:t> </a:t>
             </a:r>
             <a:r>
-              <a:rPr lang="fr-FR" b="1" dirty="0">
-                <a:latin typeface="Segoe UI" panose="020B0502040204020203" pitchFamily="34" charset="0"/>
-                <a:ea typeface="Calibri" panose="020F0502020204030204" pitchFamily="34" charset="0"/>
-                <a:cs typeface="Times New Roman" panose="02020603050405020304" pitchFamily="18" charset="0"/>
-              </a:rPr>
-              <a:t>Area </a:t>
-            </a:r>
-            <a:r>
-              <a:rPr lang="fr-FR" dirty="0">
-                <a:latin typeface="Segoe UI" panose="020B0502040204020203" pitchFamily="34" charset="0"/>
-                <a:ea typeface="Calibri" panose="020F0502020204030204" pitchFamily="34" charset="0"/>
-                <a:cs typeface="Times New Roman" panose="02020603050405020304" pitchFamily="18" charset="0"/>
-              </a:rPr>
-              <a:t>and </a:t>
-            </a:r>
-            <a:r>
-              <a:rPr lang="fr-FR" b="1" dirty="0" err="1">
-                <a:latin typeface="Segoe UI" panose="020B0502040204020203" pitchFamily="34" charset="0"/>
-                <a:ea typeface="Calibri" panose="020F0502020204030204" pitchFamily="34" charset="0"/>
-                <a:cs typeface="Times New Roman" panose="02020603050405020304" pitchFamily="18" charset="0"/>
-              </a:rPr>
-              <a:t>Stacked</a:t>
-            </a:r>
-            <a:r>
-              <a:rPr lang="fr-FR" b="1" dirty="0">
-                <a:latin typeface="Segoe UI" panose="020B0502040204020203" pitchFamily="34" charset="0"/>
-                <a:ea typeface="Calibri" panose="020F0502020204030204" pitchFamily="34" charset="0"/>
-                <a:cs typeface="Times New Roman" panose="02020603050405020304" pitchFamily="18" charset="0"/>
-              </a:rPr>
-              <a:t> </a:t>
-            </a:r>
-            <a:r>
-              <a:rPr lang="fr-FR" b="1" dirty="0" smtClean="0">
+              <a:rPr lang="en" b="1" dirty="0" smtClean="0">
                 <a:latin typeface="Segoe UI" panose="020B0502040204020203" pitchFamily="34" charset="0"/>
                 <a:ea typeface="Calibri" panose="020F0502020204030204" pitchFamily="34" charset="0"/>
                 <a:cs typeface="Times New Roman" panose="02020603050405020304" pitchFamily="18" charset="0"/>
@@ -4958,11 +4926,11 @@
           <a:lstStyle/>
           <a:p>
             <a:r>
-              <a:rPr lang="en-US" sz="2400" dirty="0" smtClean="0">
+              <a:rPr lang="en" sz="2400" dirty="0" smtClean="0">
                 <a:latin typeface="Segoe UI" panose="020B0502040204020203" pitchFamily="34" charset="0"/>
                 <a:cs typeface="Segoe UI" panose="020B0502040204020203" pitchFamily="34" charset="0"/>
               </a:rPr>
-              <a:t>Lines and Areas</a:t>
+              <a:t>Lines and zones</a:t>
             </a:r>
             <a:endParaRPr lang="en-US" sz="2400" dirty="0">
               <a:latin typeface="Segoe UI" panose="020B0502040204020203" pitchFamily="34" charset="0"/>
@@ -5003,15 +4971,15 @@
               <a:buChar char="•"/>
             </a:pPr>
             <a:r>
-              <a:rPr lang="en-US" dirty="0" smtClean="0">
+              <a:rPr lang="en" dirty="0" smtClean="0">
                 <a:latin typeface="Segoe UI" panose="020B0502040204020203" pitchFamily="34" charset="0"/>
                 <a:ea typeface="Calibri" panose="020F0502020204030204" pitchFamily="34" charset="0"/>
                 <a:cs typeface="Times New Roman" panose="02020603050405020304" pitchFamily="18" charset="0"/>
               </a:rPr>
-              <a:t>Change Visualization to </a:t>
-            </a:r>
-            <a:r>
-              <a:rPr lang="en-US" b="1" dirty="0" smtClean="0">
+              <a:t>Change the visualization to </a:t>
+            </a:r>
+            <a:r>
+              <a:rPr lang="en" b="1" dirty="0" smtClean="0">
                 <a:latin typeface="Segoe UI" panose="020B0502040204020203" pitchFamily="34" charset="0"/>
                 <a:ea typeface="Calibri" panose="020F0502020204030204" pitchFamily="34" charset="0"/>
                 <a:cs typeface="Times New Roman" panose="02020603050405020304" pitchFamily="18" charset="0"/>
@@ -5019,7 +4987,7 @@
               <a:t>100%</a:t>
             </a:r>
             <a:r>
-              <a:rPr lang="en-US" dirty="0" smtClean="0">
+              <a:rPr lang="en" dirty="0" smtClean="0">
                 <a:latin typeface="Segoe UI" panose="020B0502040204020203" pitchFamily="34" charset="0"/>
                 <a:ea typeface="Calibri" panose="020F0502020204030204" pitchFamily="34" charset="0"/>
                 <a:cs typeface="Times New Roman" panose="02020603050405020304" pitchFamily="18" charset="0"/>
@@ -5027,7 +4995,7 @@
               <a:t> </a:t>
             </a:r>
             <a:r>
-              <a:rPr lang="en-US" b="1" dirty="0" smtClean="0">
+              <a:rPr lang="en" b="1" dirty="0" smtClean="0">
                 <a:latin typeface="Segoe UI" panose="020B0502040204020203" pitchFamily="34" charset="0"/>
                 <a:ea typeface="Calibri" panose="020F0502020204030204" pitchFamily="34" charset="0"/>
                 <a:cs typeface="Times New Roman" panose="02020603050405020304" pitchFamily="18" charset="0"/>
@@ -5035,7 +5003,7 @@
               <a:t>Stacked</a:t>
             </a:r>
             <a:r>
-              <a:rPr lang="en-US" dirty="0" smtClean="0">
+              <a:rPr lang="en" dirty="0" smtClean="0">
                 <a:latin typeface="Segoe UI" panose="020B0502040204020203" pitchFamily="34" charset="0"/>
                 <a:ea typeface="Calibri" panose="020F0502020204030204" pitchFamily="34" charset="0"/>
                 <a:cs typeface="Times New Roman" panose="02020603050405020304" pitchFamily="18" charset="0"/>
@@ -5043,7 +5011,7 @@
               <a:t> </a:t>
             </a:r>
             <a:r>
-              <a:rPr lang="en-US" b="1" dirty="0" smtClean="0">
+              <a:rPr lang="en" b="1" dirty="0" smtClean="0">
                 <a:latin typeface="Segoe UI" panose="020B0502040204020203" pitchFamily="34" charset="0"/>
                 <a:ea typeface="Calibri" panose="020F0502020204030204" pitchFamily="34" charset="0"/>
                 <a:cs typeface="Times New Roman" panose="02020603050405020304" pitchFamily="18" charset="0"/>
@@ -5051,7 +5019,7 @@
               <a:t>Area</a:t>
             </a:r>
             <a:r>
-              <a:rPr lang="en-US" dirty="0" smtClean="0">
+              <a:rPr lang="en" dirty="0" smtClean="0">
                 <a:latin typeface="Segoe UI" panose="020B0502040204020203" pitchFamily="34" charset="0"/>
                 <a:ea typeface="Calibri" panose="020F0502020204030204" pitchFamily="34" charset="0"/>
                 <a:cs typeface="Times New Roman" panose="02020603050405020304" pitchFamily="18" charset="0"/>
@@ -5185,7 +5153,7 @@
         </p:nvSpPr>
         <p:spPr>
           <a:xfrm>
-            <a:off x="2916199" y="2162433"/>
+            <a:off x="2572440" y="2286186"/>
             <a:ext cx="6230360" cy="1569660"/>
           </a:xfrm>
           <a:prstGeom prst="rect">
@@ -5229,7 +5197,7 @@
         </p:nvSpPr>
         <p:spPr>
           <a:xfrm>
-            <a:off x="2990336" y="2217861"/>
+            <a:off x="2646577" y="2341614"/>
             <a:ext cx="6230360" cy="1569660"/>
           </a:xfrm>
           <a:prstGeom prst="rect">

--- a/English/6.Visuals/2.Lines and Area.pptx
+++ b/English/6.Visuals/2.Lines and Area.pptx
@@ -5,7 +5,7 @@
     <p:sldMasterId id="2147483648" r:id="rId1"/>
   </p:sldMasterIdLst>
   <p:notesMasterIdLst>
-    <p:notesMasterId r:id="rId10"/>
+    <p:notesMasterId r:id="rId11"/>
   </p:notesMasterIdLst>
   <p:sldIdLst>
     <p:sldId id="256" r:id="rId2"/>
@@ -14,8 +14,9 @@
     <p:sldId id="260" r:id="rId5"/>
     <p:sldId id="263" r:id="rId6"/>
     <p:sldId id="261" r:id="rId7"/>
-    <p:sldId id="265" r:id="rId8"/>
-    <p:sldId id="258" r:id="rId9"/>
+    <p:sldId id="266" r:id="rId8"/>
+    <p:sldId id="265" r:id="rId9"/>
+    <p:sldId id="258" r:id="rId10"/>
   </p:sldIdLst>
   <p:sldSz cx="12192000" cy="6858000"/>
   <p:notesSz cx="6858000" cy="9144000"/>
@@ -204,7 +205,7 @@
           <a:p>
             <a:fld id="{056BA3B8-9F76-4D81-B71D-76CB85363062}" type="datetimeFigureOut">
               <a:rPr lang="en-US" smtClean="0"/>
-              <a:t>4/3/2025</a:t>
+              <a:t>4/6/2025</a:t>
             </a:fld>
             <a:endParaRPr lang="en-US"/>
           </a:p>
@@ -472,6 +473,174 @@
 </p:notesMaster>
 </file>
 
+<file path=ppt/notesSlides/notesSlide1.xml><?xml version="1.0" encoding="utf-8"?>
+<p:notes xmlns:a="http://schemas.openxmlformats.org/drawingml/2006/main" xmlns:r="http://schemas.openxmlformats.org/officeDocument/2006/relationships" xmlns:p="http://schemas.openxmlformats.org/presentationml/2006/main">
+  <p:cSld>
+    <p:spTree>
+      <p:nvGrpSpPr>
+        <p:cNvPr id="1" name=""/>
+        <p:cNvGrpSpPr/>
+        <p:nvPr/>
+      </p:nvGrpSpPr>
+      <p:grpSpPr>
+        <a:xfrm>
+          <a:off x="0" y="0"/>
+          <a:ext cx="0" cy="0"/>
+          <a:chOff x="0" y="0"/>
+          <a:chExt cx="0" cy="0"/>
+        </a:xfrm>
+      </p:grpSpPr>
+      <p:sp>
+        <p:nvSpPr>
+          <p:cNvPr id="2" name="Slide Image Placeholder 1"/>
+          <p:cNvSpPr>
+            <a:spLocks noGrp="1" noRot="1" noChangeAspect="1"/>
+          </p:cNvSpPr>
+          <p:nvPr>
+            <p:ph type="sldImg"/>
+          </p:nvPr>
+        </p:nvSpPr>
+        <p:spPr/>
+      </p:sp>
+      <p:sp>
+        <p:nvSpPr>
+          <p:cNvPr id="3" name="Notes Placeholder 2"/>
+          <p:cNvSpPr>
+            <a:spLocks noGrp="1"/>
+          </p:cNvSpPr>
+          <p:nvPr>
+            <p:ph type="body" idx="1"/>
+          </p:nvPr>
+        </p:nvSpPr>
+        <p:spPr/>
+        <p:txBody>
+          <a:bodyPr/>
+          <a:lstStyle/>
+          <a:p>
+            <a:endParaRPr lang="en-US" dirty="0"/>
+          </a:p>
+        </p:txBody>
+      </p:sp>
+      <p:sp>
+        <p:nvSpPr>
+          <p:cNvPr id="4" name="Slide Number Placeholder 3"/>
+          <p:cNvSpPr>
+            <a:spLocks noGrp="1"/>
+          </p:cNvSpPr>
+          <p:nvPr>
+            <p:ph type="sldNum" sz="quarter" idx="10"/>
+          </p:nvPr>
+        </p:nvSpPr>
+        <p:spPr/>
+        <p:txBody>
+          <a:bodyPr/>
+          <a:lstStyle/>
+          <a:p>
+            <a:fld id="{C583D03D-12F8-4E91-BBC2-CE3A863157FF}" type="slidenum">
+              <a:rPr lang="en-US" smtClean="0"/>
+              <a:t>6</a:t>
+            </a:fld>
+            <a:endParaRPr lang="en-US"/>
+          </a:p>
+        </p:txBody>
+      </p:sp>
+    </p:spTree>
+    <p:extLst>
+      <p:ext uri="{BB962C8B-B14F-4D97-AF65-F5344CB8AC3E}">
+        <p14:creationId xmlns:p14="http://schemas.microsoft.com/office/powerpoint/2010/main" val="1679139307"/>
+      </p:ext>
+    </p:extLst>
+  </p:cSld>
+  <p:clrMapOvr>
+    <a:masterClrMapping/>
+  </p:clrMapOvr>
+</p:notes>
+</file>
+
+<file path=ppt/notesSlides/notesSlide2.xml><?xml version="1.0" encoding="utf-8"?>
+<p:notes xmlns:a="http://schemas.openxmlformats.org/drawingml/2006/main" xmlns:r="http://schemas.openxmlformats.org/officeDocument/2006/relationships" xmlns:p="http://schemas.openxmlformats.org/presentationml/2006/main">
+  <p:cSld>
+    <p:spTree>
+      <p:nvGrpSpPr>
+        <p:cNvPr id="1" name=""/>
+        <p:cNvGrpSpPr/>
+        <p:nvPr/>
+      </p:nvGrpSpPr>
+      <p:grpSpPr>
+        <a:xfrm>
+          <a:off x="0" y="0"/>
+          <a:ext cx="0" cy="0"/>
+          <a:chOff x="0" y="0"/>
+          <a:chExt cx="0" cy="0"/>
+        </a:xfrm>
+      </p:grpSpPr>
+      <p:sp>
+        <p:nvSpPr>
+          <p:cNvPr id="2" name="Slide Image Placeholder 1"/>
+          <p:cNvSpPr>
+            <a:spLocks noGrp="1" noRot="1" noChangeAspect="1"/>
+          </p:cNvSpPr>
+          <p:nvPr>
+            <p:ph type="sldImg"/>
+          </p:nvPr>
+        </p:nvSpPr>
+        <p:spPr/>
+      </p:sp>
+      <p:sp>
+        <p:nvSpPr>
+          <p:cNvPr id="3" name="Notes Placeholder 2"/>
+          <p:cNvSpPr>
+            <a:spLocks noGrp="1"/>
+          </p:cNvSpPr>
+          <p:nvPr>
+            <p:ph type="body" idx="1"/>
+          </p:nvPr>
+        </p:nvSpPr>
+        <p:spPr/>
+        <p:txBody>
+          <a:bodyPr/>
+          <a:lstStyle/>
+          <a:p>
+            <a:endParaRPr lang="en-US" dirty="0"/>
+          </a:p>
+        </p:txBody>
+      </p:sp>
+      <p:sp>
+        <p:nvSpPr>
+          <p:cNvPr id="4" name="Slide Number Placeholder 3"/>
+          <p:cNvSpPr>
+            <a:spLocks noGrp="1"/>
+          </p:cNvSpPr>
+          <p:nvPr>
+            <p:ph type="sldNum" sz="quarter" idx="10"/>
+          </p:nvPr>
+        </p:nvSpPr>
+        <p:spPr/>
+        <p:txBody>
+          <a:bodyPr/>
+          <a:lstStyle/>
+          <a:p>
+            <a:fld id="{C583D03D-12F8-4E91-BBC2-CE3A863157FF}" type="slidenum">
+              <a:rPr lang="en-US" smtClean="0"/>
+              <a:t>7</a:t>
+            </a:fld>
+            <a:endParaRPr lang="en-US"/>
+          </a:p>
+        </p:txBody>
+      </p:sp>
+    </p:spTree>
+    <p:extLst>
+      <p:ext uri="{BB962C8B-B14F-4D97-AF65-F5344CB8AC3E}">
+        <p14:creationId xmlns:p14="http://schemas.microsoft.com/office/powerpoint/2010/main" val="2153261092"/>
+      </p:ext>
+    </p:extLst>
+  </p:cSld>
+  <p:clrMapOvr>
+    <a:masterClrMapping/>
+  </p:clrMapOvr>
+</p:notes>
+</file>
+
 <file path=ppt/slideLayouts/slideLayout1.xml><?xml version="1.0" encoding="utf-8"?>
 <p:sldLayout xmlns:a="http://schemas.openxmlformats.org/drawingml/2006/main" xmlns:r="http://schemas.openxmlformats.org/officeDocument/2006/relationships" xmlns:p="http://schemas.openxmlformats.org/presentationml/2006/main" type="title" preserve="1">
   <p:cSld name="Title Slide">
@@ -603,7 +772,7 @@
           <a:p>
             <a:fld id="{6F01DA4D-20EA-48D2-973C-0311EC3005D6}" type="datetimeFigureOut">
               <a:rPr lang="en-US" smtClean="0"/>
-              <a:t>4/3/2025</a:t>
+              <a:t>4/6/2025</a:t>
             </a:fld>
             <a:endParaRPr lang="en-US"/>
           </a:p>
@@ -773,7 +942,7 @@
           <a:p>
             <a:fld id="{6F01DA4D-20EA-48D2-973C-0311EC3005D6}" type="datetimeFigureOut">
               <a:rPr lang="en-US" smtClean="0"/>
-              <a:t>4/3/2025</a:t>
+              <a:t>4/6/2025</a:t>
             </a:fld>
             <a:endParaRPr lang="en-US"/>
           </a:p>
@@ -953,7 +1122,7 @@
           <a:p>
             <a:fld id="{6F01DA4D-20EA-48D2-973C-0311EC3005D6}" type="datetimeFigureOut">
               <a:rPr lang="en-US" smtClean="0"/>
-              <a:t>4/3/2025</a:t>
+              <a:t>4/6/2025</a:t>
             </a:fld>
             <a:endParaRPr lang="en-US"/>
           </a:p>
@@ -1123,7 +1292,7 @@
           <a:p>
             <a:fld id="{6F01DA4D-20EA-48D2-973C-0311EC3005D6}" type="datetimeFigureOut">
               <a:rPr lang="en-US" smtClean="0"/>
-              <a:t>4/3/2025</a:t>
+              <a:t>4/6/2025</a:t>
             </a:fld>
             <a:endParaRPr lang="en-US"/>
           </a:p>
@@ -1369,7 +1538,7 @@
           <a:p>
             <a:fld id="{6F01DA4D-20EA-48D2-973C-0311EC3005D6}" type="datetimeFigureOut">
               <a:rPr lang="en-US" smtClean="0"/>
-              <a:t>4/3/2025</a:t>
+              <a:t>4/6/2025</a:t>
             </a:fld>
             <a:endParaRPr lang="en-US"/>
           </a:p>
@@ -1601,7 +1770,7 @@
           <a:p>
             <a:fld id="{6F01DA4D-20EA-48D2-973C-0311EC3005D6}" type="datetimeFigureOut">
               <a:rPr lang="en-US" smtClean="0"/>
-              <a:t>4/3/2025</a:t>
+              <a:t>4/6/2025</a:t>
             </a:fld>
             <a:endParaRPr lang="en-US"/>
           </a:p>
@@ -1968,7 +2137,7 @@
           <a:p>
             <a:fld id="{6F01DA4D-20EA-48D2-973C-0311EC3005D6}" type="datetimeFigureOut">
               <a:rPr lang="en-US" smtClean="0"/>
-              <a:t>4/3/2025</a:t>
+              <a:t>4/6/2025</a:t>
             </a:fld>
             <a:endParaRPr lang="en-US"/>
           </a:p>
@@ -2086,7 +2255,7 @@
           <a:p>
             <a:fld id="{6F01DA4D-20EA-48D2-973C-0311EC3005D6}" type="datetimeFigureOut">
               <a:rPr lang="en-US" smtClean="0"/>
-              <a:t>4/3/2025</a:t>
+              <a:t>4/6/2025</a:t>
             </a:fld>
             <a:endParaRPr lang="en-US"/>
           </a:p>
@@ -2181,7 +2350,7 @@
           <a:p>
             <a:fld id="{6F01DA4D-20EA-48D2-973C-0311EC3005D6}" type="datetimeFigureOut">
               <a:rPr lang="en-US" smtClean="0"/>
-              <a:t>4/3/2025</a:t>
+              <a:t>4/6/2025</a:t>
             </a:fld>
             <a:endParaRPr lang="en-US"/>
           </a:p>
@@ -2458,7 +2627,7 @@
           <a:p>
             <a:fld id="{6F01DA4D-20EA-48D2-973C-0311EC3005D6}" type="datetimeFigureOut">
               <a:rPr lang="en-US" smtClean="0"/>
-              <a:t>4/3/2025</a:t>
+              <a:t>4/6/2025</a:t>
             </a:fld>
             <a:endParaRPr lang="en-US"/>
           </a:p>
@@ -2711,7 +2880,7 @@
           <a:p>
             <a:fld id="{6F01DA4D-20EA-48D2-973C-0311EC3005D6}" type="datetimeFigureOut">
               <a:rPr lang="en-US" smtClean="0"/>
-              <a:t>4/3/2025</a:t>
+              <a:t>4/6/2025</a:t>
             </a:fld>
             <a:endParaRPr lang="en-US"/>
           </a:p>
@@ -2924,7 +3093,7 @@
           <a:p>
             <a:fld id="{6F01DA4D-20EA-48D2-973C-0311EC3005D6}" type="datetimeFigureOut">
               <a:rPr lang="en-US" smtClean="0"/>
-              <a:t>4/3/2025</a:t>
+              <a:t>4/6/2025</a:t>
             </a:fld>
             <a:endParaRPr lang="en-US"/>
           </a:p>
@@ -3540,36 +3709,20 @@
               <a:t>This </a:t>
             </a:r>
             <a:r>
-              <a:rPr lang="en" kern="0" dirty="0" err="1">
-                <a:latin typeface="Segoe UI" panose="020B0502040204020203" pitchFamily="34" charset="0"/>
-                <a:ea typeface="Times New Roman" panose="02020603050405020304" pitchFamily="18" charset="0"/>
-                <a:cs typeface="Times New Roman" panose="02020603050405020304" pitchFamily="18" charset="0"/>
-              </a:rPr>
-              <a:t>exercise</a:t>
-            </a:r>
-            <a:r>
               <a:rPr lang="en" kern="0" dirty="0">
                 <a:latin typeface="Segoe UI" panose="020B0502040204020203" pitchFamily="34" charset="0"/>
                 <a:ea typeface="Times New Roman" panose="02020603050405020304" pitchFamily="18" charset="0"/>
                 <a:cs typeface="Times New Roman" panose="02020603050405020304" pitchFamily="18" charset="0"/>
               </a:rPr>
-              <a:t> </a:t>
-            </a:r>
-            <a:r>
-              <a:rPr lang="en" kern="0" dirty="0" err="1">
+              <a:t>exercise requires </a:t>
+            </a:r>
+            <a:r>
+              <a:rPr lang="en" b="1" kern="0" dirty="0" smtClean="0">
                 <a:latin typeface="Segoe UI" panose="020B0502040204020203" pitchFamily="34" charset="0"/>
                 <a:ea typeface="Times New Roman" panose="02020603050405020304" pitchFamily="18" charset="0"/>
                 <a:cs typeface="Times New Roman" panose="02020603050405020304" pitchFamily="18" charset="0"/>
               </a:rPr>
-              <a:t>requires </a:t>
-            </a:r>
-            <a:r>
-              <a:rPr lang="en" kern="0" dirty="0">
-                <a:latin typeface="Segoe UI" panose="020B0502040204020203" pitchFamily="34" charset="0"/>
-                <a:ea typeface="Times New Roman" panose="02020603050405020304" pitchFamily="18" charset="0"/>
-                <a:cs typeface="Times New Roman" panose="02020603050405020304" pitchFamily="18" charset="0"/>
-              </a:rPr>
-              <a:t>AdventureWorksDW2016</a:t>
+              <a:t>Sales.xls</a:t>
             </a:r>
             <a:r>
               <a:rPr lang="en" kern="0" dirty="0" smtClean="0">
@@ -3577,15 +3730,31 @@
                 <a:ea typeface="Times New Roman" panose="02020603050405020304" pitchFamily="18" charset="0"/>
                 <a:cs typeface="Times New Roman" panose="02020603050405020304" pitchFamily="18" charset="0"/>
               </a:rPr>
-              <a:t> </a:t>
-            </a:r>
-            <a:r>
-              <a:rPr lang="en" kern="0" dirty="0" err="1" smtClean="0">
+              <a:t> of </a:t>
+            </a:r>
+            <a:r>
+              <a:rPr lang="en" b="1" kern="0" dirty="0" smtClean="0">
                 <a:latin typeface="Segoe UI" panose="020B0502040204020203" pitchFamily="34" charset="0"/>
                 <a:ea typeface="Times New Roman" panose="02020603050405020304" pitchFamily="18" charset="0"/>
                 <a:cs typeface="Times New Roman" panose="02020603050405020304" pitchFamily="18" charset="0"/>
               </a:rPr>
-              <a:t>database</a:t>
+              <a:t>Excel S</a:t>
+            </a:r>
+            <a:r>
+              <a:rPr lang="en-US" b="1" kern="0" dirty="0" smtClean="0">
+                <a:latin typeface="Segoe UI" panose="020B0502040204020203" pitchFamily="34" charset="0"/>
+                <a:ea typeface="Times New Roman" panose="02020603050405020304" pitchFamily="18" charset="0"/>
+                <a:cs typeface="Times New Roman" panose="02020603050405020304" pitchFamily="18" charset="0"/>
+              </a:rPr>
+              <a:t>o</a:t>
+            </a:r>
+            <a:r>
+              <a:rPr lang="en" b="1" kern="0" dirty="0" smtClean="0">
+                <a:latin typeface="Segoe UI" panose="020B0502040204020203" pitchFamily="34" charset="0"/>
+                <a:ea typeface="Times New Roman" panose="02020603050405020304" pitchFamily="18" charset="0"/>
+                <a:cs typeface="Times New Roman" panose="02020603050405020304" pitchFamily="18" charset="0"/>
+              </a:rPr>
+              <a:t>urces</a:t>
             </a:r>
             <a:r>
               <a:rPr lang="en" kern="0" dirty="0" smtClean="0">
@@ -3593,39 +3762,7 @@
                 <a:ea typeface="Times New Roman" panose="02020603050405020304" pitchFamily="18" charset="0"/>
                 <a:cs typeface="Times New Roman" panose="02020603050405020304" pitchFamily="18" charset="0"/>
               </a:rPr>
-              <a:t> </a:t>
-            </a:r>
-            <a:r>
-              <a:rPr lang="en" kern="0" dirty="0">
-                <a:latin typeface="Segoe UI" panose="020B0502040204020203" pitchFamily="34" charset="0"/>
-                <a:ea typeface="Times New Roman" panose="02020603050405020304" pitchFamily="18" charset="0"/>
-                <a:cs typeface="Times New Roman" panose="02020603050405020304" pitchFamily="18" charset="0"/>
-              </a:rPr>
-              <a:t>to the </a:t>
-            </a:r>
-            <a:r>
-              <a:rPr lang="en" kern="0" dirty="0" err="1">
-                <a:latin typeface="Segoe UI" panose="020B0502040204020203" pitchFamily="34" charset="0"/>
-                <a:ea typeface="Times New Roman" panose="02020603050405020304" pitchFamily="18" charset="0"/>
-                <a:cs typeface="Times New Roman" panose="02020603050405020304" pitchFamily="18" charset="0"/>
-              </a:rPr>
-              <a:t>resource</a:t>
-            </a:r>
-            <a:r>
-              <a:rPr lang="en" kern="0" dirty="0">
-                <a:latin typeface="Segoe UI" panose="020B0502040204020203" pitchFamily="34" charset="0"/>
-                <a:ea typeface="Times New Roman" panose="02020603050405020304" pitchFamily="18" charset="0"/>
-                <a:cs typeface="Times New Roman" panose="02020603050405020304" pitchFamily="18" charset="0"/>
-              </a:rPr>
-              <a:t> </a:t>
-            </a:r>
-            <a:r>
-              <a:rPr lang="en" kern="0" dirty="0" err="1">
-                <a:latin typeface="Segoe UI" panose="020B0502040204020203" pitchFamily="34" charset="0"/>
-                <a:ea typeface="Times New Roman" panose="02020603050405020304" pitchFamily="18" charset="0"/>
-                <a:cs typeface="Times New Roman" panose="02020603050405020304" pitchFamily="18" charset="0"/>
-              </a:rPr>
-              <a:t>level</a:t>
+              <a:t> folder</a:t>
             </a:r>
             <a:endParaRPr lang="en-US" sz="2800" b="1" kern="0" dirty="0">
               <a:effectLst/>
@@ -3674,87 +3811,7 @@
                 <a:ea typeface="Calibri" panose="020F0502020204030204" pitchFamily="34" charset="0"/>
                 <a:cs typeface="Times New Roman" panose="02020603050405020304" pitchFamily="18" charset="0"/>
               </a:rPr>
-              <a:t>Add </a:t>
-            </a:r>
-            <a:r>
-              <a:rPr lang="en" dirty="0" smtClean="0">
-                <a:latin typeface="Segoe UI" panose="020B0502040204020203" pitchFamily="34" charset="0"/>
-                <a:ea typeface="Calibri" panose="020F0502020204030204" pitchFamily="34" charset="0"/>
-                <a:cs typeface="Times New Roman" panose="02020603050405020304" pitchFamily="18" charset="0"/>
-              </a:rPr>
-              <a:t>the </a:t>
-            </a:r>
-            <a:r>
-              <a:rPr lang="en" b="1" dirty="0" smtClean="0">
-                <a:latin typeface="Segoe UI" panose="020B0502040204020203" pitchFamily="34" charset="0"/>
-                <a:ea typeface="Calibri" panose="020F0502020204030204" pitchFamily="34" charset="0"/>
-                <a:cs typeface="Times New Roman" panose="02020603050405020304" pitchFamily="18" charset="0"/>
-              </a:rPr>
-              <a:t>line visualization </a:t>
-            </a:r>
-            <a:r>
-              <a:rPr lang="en" dirty="0" smtClean="0">
-                <a:latin typeface="Segoe UI" panose="020B0502040204020203" pitchFamily="34" charset="0"/>
-                <a:ea typeface="Calibri" panose="020F0502020204030204" pitchFamily="34" charset="0"/>
-                <a:cs typeface="Times New Roman" panose="02020603050405020304" pitchFamily="18" charset="0"/>
-              </a:rPr>
-              <a:t>at the scene level, then add </a:t>
-            </a:r>
-            <a:r>
-              <a:rPr lang="en" b="1" dirty="0" err="1" smtClean="0">
-                <a:latin typeface="Segoe UI" panose="020B0502040204020203" pitchFamily="34" charset="0"/>
-                <a:ea typeface="Calibri" panose="020F0502020204030204" pitchFamily="34" charset="0"/>
-                <a:cs typeface="Times New Roman" panose="02020603050405020304" pitchFamily="18" charset="0"/>
-              </a:rPr>
-              <a:t>UnitPrice</a:t>
-            </a:r>
-            <a:r>
-              <a:rPr lang="en" b="1" dirty="0" smtClean="0">
-                <a:latin typeface="Segoe UI" panose="020B0502040204020203" pitchFamily="34" charset="0"/>
-                <a:ea typeface="Calibri" panose="020F0502020204030204" pitchFamily="34" charset="0"/>
-                <a:cs typeface="Times New Roman" panose="02020603050405020304" pitchFamily="18" charset="0"/>
-              </a:rPr>
-              <a:t> </a:t>
-            </a:r>
-            <a:r>
-              <a:rPr lang="en" dirty="0" smtClean="0">
-                <a:latin typeface="Segoe UI" panose="020B0502040204020203" pitchFamily="34" charset="0"/>
-                <a:ea typeface="Calibri" panose="020F0502020204030204" pitchFamily="34" charset="0"/>
-                <a:cs typeface="Times New Roman" panose="02020603050405020304" pitchFamily="18" charset="0"/>
-              </a:rPr>
-              <a:t>and </a:t>
-            </a:r>
-            <a:r>
-              <a:rPr lang="en" b="1" dirty="0" err="1" smtClean="0">
-                <a:latin typeface="Segoe UI" panose="020B0502040204020203" pitchFamily="34" charset="0"/>
-                <a:ea typeface="Calibri" panose="020F0502020204030204" pitchFamily="34" charset="0"/>
-                <a:cs typeface="Times New Roman" panose="02020603050405020304" pitchFamily="18" charset="0"/>
-              </a:rPr>
-              <a:t>TotalProductCost</a:t>
-            </a:r>
-            <a:r>
-              <a:rPr lang="en" b="1" dirty="0" smtClean="0">
-                <a:latin typeface="Segoe UI" panose="020B0502040204020203" pitchFamily="34" charset="0"/>
-                <a:ea typeface="Calibri" panose="020F0502020204030204" pitchFamily="34" charset="0"/>
-                <a:cs typeface="Times New Roman" panose="02020603050405020304" pitchFamily="18" charset="0"/>
-              </a:rPr>
-              <a:t> </a:t>
-            </a:r>
-            <a:r>
-              <a:rPr lang="en" dirty="0" smtClean="0">
-                <a:latin typeface="Segoe UI" panose="020B0502040204020203" pitchFamily="34" charset="0"/>
-                <a:ea typeface="Calibri" panose="020F0502020204030204" pitchFamily="34" charset="0"/>
-                <a:cs typeface="Times New Roman" panose="02020603050405020304" pitchFamily="18" charset="0"/>
-              </a:rPr>
-              <a:t>to the </a:t>
-            </a:r>
-            <a:r>
-              <a:rPr lang="en" b="1" dirty="0" smtClean="0">
-                <a:latin typeface="Segoe UI" panose="020B0502040204020203" pitchFamily="34" charset="0"/>
-                <a:ea typeface="Calibri" panose="020F0502020204030204" pitchFamily="34" charset="0"/>
-                <a:cs typeface="Times New Roman" panose="02020603050405020304" pitchFamily="18" charset="0"/>
-              </a:rPr>
-              <a:t>Y axis</a:t>
+              <a:t>First create those measures</a:t>
             </a:r>
             <a:endParaRPr lang="en-US" sz="1400" dirty="0">
               <a:effectLst/>
@@ -3765,206 +3822,446 @@
           </a:p>
         </p:txBody>
       </p:sp>
-      <p:pic>
-        <p:nvPicPr>
-          <p:cNvPr id="3" name="Picture 2"/>
-          <p:cNvPicPr>
-            <a:picLocks noChangeAspect="1"/>
-          </p:cNvPicPr>
+      <p:sp>
+        <p:nvSpPr>
+          <p:cNvPr id="5" name="Rectangle 4"/>
+          <p:cNvSpPr/>
           <p:nvPr/>
-        </p:nvPicPr>
-        <p:blipFill>
-          <a:blip r:embed="rId2"/>
-          <a:stretch>
-            <a:fillRect/>
-          </a:stretch>
-        </p:blipFill>
-        <p:spPr>
-          <a:xfrm>
-            <a:off x="6773333" y="1904325"/>
-            <a:ext cx="2768745" cy="3578187"/>
+        </p:nvSpPr>
+        <p:spPr>
+          <a:xfrm>
+            <a:off x="504179" y="1803897"/>
+            <a:ext cx="9265462" cy="923330"/>
           </a:xfrm>
           <a:prstGeom prst="rect">
             <a:avLst/>
           </a:prstGeom>
-          <a:ln>
-            <a:noFill/>
-          </a:ln>
-          <a:effectLst>
-            <a:outerShdw blurRad="292100" dist="139700" dir="2700000" algn="tl" rotWithShape="0">
-              <a:srgbClr val="333333">
-                <a:alpha val="65000"/>
-              </a:srgbClr>
-            </a:outerShdw>
-          </a:effectLst>
-        </p:spPr>
-      </p:pic>
-      <p:sp>
-        <p:nvSpPr>
-          <p:cNvPr id="4" name="Rectangle 3"/>
+        </p:spPr>
+        <p:txBody>
+          <a:bodyPr wrap="square">
+            <a:spAutoFit/>
+          </a:bodyPr>
+          <a:lstStyle/>
+          <a:p>
+            <a:r>
+              <a:rPr lang="en-US" dirty="0">
+                <a:solidFill>
+                  <a:srgbClr val="000000"/>
+                </a:solidFill>
+                <a:latin typeface="Consolas" panose="020B0609020204030204" pitchFamily="49" charset="0"/>
+              </a:rPr>
+              <a:t>Total Sales 2019 = </a:t>
+            </a:r>
+            <a:r>
+              <a:rPr lang="en-US" dirty="0">
+                <a:solidFill>
+                  <a:srgbClr val="3165BB"/>
+                </a:solidFill>
+                <a:latin typeface="Consolas" panose="020B0609020204030204" pitchFamily="49" charset="0"/>
+              </a:rPr>
+              <a:t>CALCULATE</a:t>
+            </a:r>
+            <a:r>
+              <a:rPr lang="en-US" dirty="0">
+                <a:solidFill>
+                  <a:srgbClr val="000000"/>
+                </a:solidFill>
+                <a:latin typeface="Consolas" panose="020B0609020204030204" pitchFamily="49" charset="0"/>
+              </a:rPr>
+              <a:t>(</a:t>
+            </a:r>
+            <a:r>
+              <a:rPr lang="en-US" dirty="0">
+                <a:solidFill>
+                  <a:srgbClr val="3165BB"/>
+                </a:solidFill>
+                <a:latin typeface="Consolas" panose="020B0609020204030204" pitchFamily="49" charset="0"/>
+              </a:rPr>
+              <a:t>SUMX</a:t>
+            </a:r>
+            <a:r>
+              <a:rPr lang="en-US" dirty="0">
+                <a:solidFill>
+                  <a:srgbClr val="000000"/>
+                </a:solidFill>
+                <a:latin typeface="Consolas" panose="020B0609020204030204" pitchFamily="49" charset="0"/>
+              </a:rPr>
+              <a:t>(</a:t>
+            </a:r>
+            <a:r>
+              <a:rPr lang="en-US" dirty="0" err="1">
+                <a:solidFill>
+                  <a:srgbClr val="001080"/>
+                </a:solidFill>
+                <a:latin typeface="Consolas" panose="020B0609020204030204" pitchFamily="49" charset="0"/>
+              </a:rPr>
+              <a:t>FactSales</a:t>
+            </a:r>
+            <a:r>
+              <a:rPr lang="en-US" dirty="0" err="1">
+                <a:solidFill>
+                  <a:srgbClr val="000000"/>
+                </a:solidFill>
+                <a:latin typeface="Consolas" panose="020B0609020204030204" pitchFamily="49" charset="0"/>
+              </a:rPr>
+              <a:t>,</a:t>
+            </a:r>
+            <a:r>
+              <a:rPr lang="en-US" dirty="0" err="1">
+                <a:solidFill>
+                  <a:srgbClr val="001080"/>
+                </a:solidFill>
+                <a:latin typeface="Consolas" panose="020B0609020204030204" pitchFamily="49" charset="0"/>
+              </a:rPr>
+              <a:t>FactSales</a:t>
+            </a:r>
+            <a:r>
+              <a:rPr lang="en-US" dirty="0">
+                <a:solidFill>
+                  <a:srgbClr val="001080"/>
+                </a:solidFill>
+                <a:latin typeface="Consolas" panose="020B0609020204030204" pitchFamily="49" charset="0"/>
+              </a:rPr>
+              <a:t>[</a:t>
+            </a:r>
+            <a:r>
+              <a:rPr lang="en-US" dirty="0" err="1">
+                <a:solidFill>
+                  <a:srgbClr val="001080"/>
+                </a:solidFill>
+                <a:latin typeface="Consolas" panose="020B0609020204030204" pitchFamily="49" charset="0"/>
+              </a:rPr>
+              <a:t>SalesQuantity</a:t>
+            </a:r>
+            <a:r>
+              <a:rPr lang="en-US" dirty="0">
+                <a:solidFill>
+                  <a:srgbClr val="001080"/>
+                </a:solidFill>
+                <a:latin typeface="Consolas" panose="020B0609020204030204" pitchFamily="49" charset="0"/>
+              </a:rPr>
+              <a:t>]</a:t>
+            </a:r>
+            <a:r>
+              <a:rPr lang="en-US" dirty="0">
+                <a:solidFill>
+                  <a:srgbClr val="000000"/>
+                </a:solidFill>
+                <a:latin typeface="Consolas" panose="020B0609020204030204" pitchFamily="49" charset="0"/>
+              </a:rPr>
+              <a:t>*</a:t>
+            </a:r>
+            <a:r>
+              <a:rPr lang="en-US" dirty="0">
+                <a:solidFill>
+                  <a:srgbClr val="001080"/>
+                </a:solidFill>
+                <a:latin typeface="Consolas" panose="020B0609020204030204" pitchFamily="49" charset="0"/>
+              </a:rPr>
+              <a:t>FactSales[</a:t>
+            </a:r>
+            <a:r>
+              <a:rPr lang="en-US" dirty="0" err="1">
+                <a:solidFill>
+                  <a:srgbClr val="001080"/>
+                </a:solidFill>
+                <a:latin typeface="Consolas" panose="020B0609020204030204" pitchFamily="49" charset="0"/>
+              </a:rPr>
+              <a:t>UnitPrice</a:t>
+            </a:r>
+            <a:r>
+              <a:rPr lang="en-US" dirty="0">
+                <a:solidFill>
+                  <a:srgbClr val="001080"/>
+                </a:solidFill>
+                <a:latin typeface="Consolas" panose="020B0609020204030204" pitchFamily="49" charset="0"/>
+              </a:rPr>
+              <a:t>]</a:t>
+            </a:r>
+            <a:r>
+              <a:rPr lang="en-US" dirty="0">
+                <a:solidFill>
+                  <a:srgbClr val="000000"/>
+                </a:solidFill>
+                <a:latin typeface="Consolas" panose="020B0609020204030204" pitchFamily="49" charset="0"/>
+              </a:rPr>
+              <a:t>),</a:t>
+            </a:r>
+            <a:r>
+              <a:rPr lang="en-US" dirty="0" err="1">
+                <a:solidFill>
+                  <a:srgbClr val="001080"/>
+                </a:solidFill>
+                <a:latin typeface="Consolas" panose="020B0609020204030204" pitchFamily="49" charset="0"/>
+              </a:rPr>
+              <a:t>DimDate</a:t>
+            </a:r>
+            <a:r>
+              <a:rPr lang="en-US" dirty="0">
+                <a:solidFill>
+                  <a:srgbClr val="001080"/>
+                </a:solidFill>
+                <a:latin typeface="Consolas" panose="020B0609020204030204" pitchFamily="49" charset="0"/>
+              </a:rPr>
+              <a:t>[Year]</a:t>
+            </a:r>
+            <a:r>
+              <a:rPr lang="en-US" dirty="0">
+                <a:solidFill>
+                  <a:srgbClr val="000000"/>
+                </a:solidFill>
+                <a:latin typeface="Consolas" panose="020B0609020204030204" pitchFamily="49" charset="0"/>
+              </a:rPr>
+              <a:t>=</a:t>
+            </a:r>
+            <a:r>
+              <a:rPr lang="en-US" dirty="0">
+                <a:solidFill>
+                  <a:srgbClr val="098658"/>
+                </a:solidFill>
+                <a:latin typeface="Consolas" panose="020B0609020204030204" pitchFamily="49" charset="0"/>
+              </a:rPr>
+              <a:t>2019</a:t>
+            </a:r>
+            <a:r>
+              <a:rPr lang="en-US" dirty="0">
+                <a:solidFill>
+                  <a:srgbClr val="000000"/>
+                </a:solidFill>
+                <a:latin typeface="Consolas" panose="020B0609020204030204" pitchFamily="49" charset="0"/>
+              </a:rPr>
+              <a:t>)</a:t>
+            </a:r>
+            <a:endParaRPr lang="en-US" b="0" dirty="0">
+              <a:solidFill>
+                <a:srgbClr val="000000"/>
+              </a:solidFill>
+              <a:effectLst/>
+              <a:latin typeface="Consolas" panose="020B0609020204030204" pitchFamily="49" charset="0"/>
+            </a:endParaRPr>
+          </a:p>
+        </p:txBody>
+      </p:sp>
+      <p:sp>
+        <p:nvSpPr>
+          <p:cNvPr id="10" name="Rectangle 9"/>
           <p:cNvSpPr/>
           <p:nvPr/>
         </p:nvSpPr>
         <p:spPr>
           <a:xfrm>
-            <a:off x="8415867" y="5317067"/>
-            <a:ext cx="1126211" cy="165445"/>
+            <a:off x="552306" y="2856340"/>
+            <a:ext cx="8949203" cy="923330"/>
           </a:xfrm>
           <a:prstGeom prst="rect">
             <a:avLst/>
           </a:prstGeom>
-          <a:solidFill>
-            <a:srgbClr val="FF0000">
-              <a:alpha val="25000"/>
-            </a:srgbClr>
-          </a:solidFill>
-          <a:ln>
-            <a:noFill/>
-          </a:ln>
-        </p:spPr>
-        <p:style>
-          <a:lnRef idx="2">
-            <a:schemeClr val="accent1">
-              <a:shade val="50000"/>
-            </a:schemeClr>
-          </a:lnRef>
-          <a:fillRef idx="1">
-            <a:schemeClr val="accent1"/>
-          </a:fillRef>
-          <a:effectRef idx="0">
-            <a:schemeClr val="accent1"/>
-          </a:effectRef>
-          <a:fontRef idx="minor">
-            <a:schemeClr val="lt1"/>
-          </a:fontRef>
-        </p:style>
-        <p:txBody>
-          <a:bodyPr rtlCol="0" anchor="ctr"/>
-          <a:lstStyle/>
-          <a:p>
-            <a:pPr algn="ctr"/>
-            <a:endParaRPr lang="en-US"/>
-          </a:p>
-        </p:txBody>
-      </p:sp>
-      <p:sp>
-        <p:nvSpPr>
-          <p:cNvPr id="11" name="Rectangle 10"/>
-          <p:cNvSpPr/>
-          <p:nvPr/>
-        </p:nvSpPr>
-        <p:spPr>
-          <a:xfrm>
-            <a:off x="6773333" y="2607734"/>
-            <a:ext cx="1286934" cy="270933"/>
-          </a:xfrm>
-          <a:prstGeom prst="rect">
-            <a:avLst/>
-          </a:prstGeom>
-          <a:solidFill>
-            <a:srgbClr val="FF0000">
-              <a:alpha val="25000"/>
-            </a:srgbClr>
-          </a:solidFill>
-          <a:ln>
-            <a:noFill/>
-          </a:ln>
-        </p:spPr>
-        <p:style>
-          <a:lnRef idx="2">
-            <a:schemeClr val="accent1">
-              <a:shade val="50000"/>
-            </a:schemeClr>
-          </a:lnRef>
-          <a:fillRef idx="1">
-            <a:schemeClr val="accent1"/>
-          </a:fillRef>
-          <a:effectRef idx="0">
-            <a:schemeClr val="accent1"/>
-          </a:effectRef>
-          <a:fontRef idx="minor">
-            <a:schemeClr val="lt1"/>
-          </a:fontRef>
-        </p:style>
-        <p:txBody>
-          <a:bodyPr rtlCol="0" anchor="ctr"/>
-          <a:lstStyle/>
-          <a:p>
-            <a:pPr algn="ctr"/>
-            <a:endParaRPr lang="en-US"/>
-          </a:p>
-        </p:txBody>
-      </p:sp>
-      <p:cxnSp>
-        <p:nvCxnSpPr>
-          <p:cNvPr id="6" name="Straight Arrow Connector 5"/>
-          <p:cNvCxnSpPr/>
-          <p:nvPr/>
-        </p:nvCxnSpPr>
-        <p:spPr>
-          <a:xfrm flipH="1" flipV="1">
-            <a:off x="7857067" y="2878667"/>
-            <a:ext cx="745066" cy="2438400"/>
-          </a:xfrm>
-          <a:prstGeom prst="straightConnector1">
-            <a:avLst/>
-          </a:prstGeom>
-          <a:ln w="28575">
-            <a:solidFill>
-              <a:srgbClr val="FF0000"/>
-            </a:solidFill>
-            <a:tailEnd type="triangle"/>
-          </a:ln>
-        </p:spPr>
-        <p:style>
-          <a:lnRef idx="3">
-            <a:schemeClr val="accent2"/>
-          </a:lnRef>
-          <a:fillRef idx="0">
-            <a:schemeClr val="accent2"/>
-          </a:fillRef>
-          <a:effectRef idx="2">
-            <a:schemeClr val="accent2"/>
-          </a:effectRef>
-          <a:fontRef idx="minor">
-            <a:schemeClr val="tx1"/>
-          </a:fontRef>
-        </p:style>
-      </p:cxnSp>
-      <p:pic>
-        <p:nvPicPr>
-          <p:cNvPr id="7" name="Picture 6"/>
-          <p:cNvPicPr>
-            <a:picLocks noChangeAspect="1"/>
-          </p:cNvPicPr>
-          <p:nvPr/>
-        </p:nvPicPr>
-        <p:blipFill>
-          <a:blip r:embed="rId3"/>
-          <a:stretch>
-            <a:fillRect/>
-          </a:stretch>
-        </p:blipFill>
-        <p:spPr>
-          <a:xfrm>
-            <a:off x="830474" y="1818901"/>
-            <a:ext cx="4553585" cy="3448531"/>
-          </a:xfrm>
-          <a:prstGeom prst="rect">
-            <a:avLst/>
-          </a:prstGeom>
-          <a:ln>
-            <a:noFill/>
-          </a:ln>
-          <a:effectLst>
-            <a:outerShdw blurRad="292100" dist="139700" dir="2700000" algn="tl" rotWithShape="0">
-              <a:srgbClr val="333333">
-                <a:alpha val="65000"/>
-              </a:srgbClr>
-            </a:outerShdw>
-          </a:effectLst>
-        </p:spPr>
-      </p:pic>
+        </p:spPr>
+        <p:txBody>
+          <a:bodyPr wrap="square">
+            <a:spAutoFit/>
+          </a:bodyPr>
+          <a:lstStyle/>
+          <a:p>
+            <a:r>
+              <a:rPr lang="en-US" dirty="0">
+                <a:solidFill>
+                  <a:srgbClr val="000000"/>
+                </a:solidFill>
+                <a:latin typeface="Consolas" panose="020B0609020204030204" pitchFamily="49" charset="0"/>
+              </a:rPr>
+              <a:t>Total Cost 2019 = </a:t>
+            </a:r>
+            <a:r>
+              <a:rPr lang="en-US" dirty="0">
+                <a:solidFill>
+                  <a:srgbClr val="3165BB"/>
+                </a:solidFill>
+                <a:latin typeface="Consolas" panose="020B0609020204030204" pitchFamily="49" charset="0"/>
+              </a:rPr>
+              <a:t>CALCULATE</a:t>
+            </a:r>
+            <a:r>
+              <a:rPr lang="en-US" dirty="0">
+                <a:solidFill>
+                  <a:srgbClr val="000000"/>
+                </a:solidFill>
+                <a:latin typeface="Consolas" panose="020B0609020204030204" pitchFamily="49" charset="0"/>
+              </a:rPr>
+              <a:t>(</a:t>
+            </a:r>
+            <a:r>
+              <a:rPr lang="en-US" dirty="0">
+                <a:solidFill>
+                  <a:srgbClr val="3165BB"/>
+                </a:solidFill>
+                <a:latin typeface="Consolas" panose="020B0609020204030204" pitchFamily="49" charset="0"/>
+              </a:rPr>
+              <a:t>SUMX</a:t>
+            </a:r>
+            <a:r>
+              <a:rPr lang="en-US" dirty="0">
+                <a:solidFill>
+                  <a:srgbClr val="000000"/>
+                </a:solidFill>
+                <a:latin typeface="Consolas" panose="020B0609020204030204" pitchFamily="49" charset="0"/>
+              </a:rPr>
+              <a:t>(</a:t>
+            </a:r>
+            <a:r>
+              <a:rPr lang="en-US" dirty="0" err="1">
+                <a:solidFill>
+                  <a:srgbClr val="001080"/>
+                </a:solidFill>
+                <a:latin typeface="Consolas" panose="020B0609020204030204" pitchFamily="49" charset="0"/>
+              </a:rPr>
+              <a:t>FactSales</a:t>
+            </a:r>
+            <a:r>
+              <a:rPr lang="en-US" dirty="0" err="1">
+                <a:solidFill>
+                  <a:srgbClr val="000000"/>
+                </a:solidFill>
+                <a:latin typeface="Consolas" panose="020B0609020204030204" pitchFamily="49" charset="0"/>
+              </a:rPr>
+              <a:t>,</a:t>
+            </a:r>
+            <a:r>
+              <a:rPr lang="en-US" dirty="0" err="1">
+                <a:solidFill>
+                  <a:srgbClr val="001080"/>
+                </a:solidFill>
+                <a:latin typeface="Consolas" panose="020B0609020204030204" pitchFamily="49" charset="0"/>
+              </a:rPr>
+              <a:t>FactSales</a:t>
+            </a:r>
+            <a:r>
+              <a:rPr lang="en-US" dirty="0">
+                <a:solidFill>
+                  <a:srgbClr val="001080"/>
+                </a:solidFill>
+                <a:latin typeface="Consolas" panose="020B0609020204030204" pitchFamily="49" charset="0"/>
+              </a:rPr>
+              <a:t>[</a:t>
+            </a:r>
+            <a:r>
+              <a:rPr lang="en-US" dirty="0" err="1">
+                <a:solidFill>
+                  <a:srgbClr val="001080"/>
+                </a:solidFill>
+                <a:latin typeface="Consolas" panose="020B0609020204030204" pitchFamily="49" charset="0"/>
+              </a:rPr>
+              <a:t>SalesQuantity</a:t>
+            </a:r>
+            <a:r>
+              <a:rPr lang="en-US" dirty="0">
+                <a:solidFill>
+                  <a:srgbClr val="001080"/>
+                </a:solidFill>
+                <a:latin typeface="Consolas" panose="020B0609020204030204" pitchFamily="49" charset="0"/>
+              </a:rPr>
+              <a:t>]</a:t>
+            </a:r>
+            <a:r>
+              <a:rPr lang="en-US" dirty="0">
+                <a:solidFill>
+                  <a:srgbClr val="000000"/>
+                </a:solidFill>
+                <a:latin typeface="Consolas" panose="020B0609020204030204" pitchFamily="49" charset="0"/>
+              </a:rPr>
+              <a:t>*</a:t>
+            </a:r>
+            <a:r>
+              <a:rPr lang="en-US" dirty="0">
+                <a:solidFill>
+                  <a:srgbClr val="001080"/>
+                </a:solidFill>
+                <a:latin typeface="Consolas" panose="020B0609020204030204" pitchFamily="49" charset="0"/>
+              </a:rPr>
+              <a:t>FactSales[</a:t>
+            </a:r>
+            <a:r>
+              <a:rPr lang="en-US" dirty="0" err="1">
+                <a:solidFill>
+                  <a:srgbClr val="001080"/>
+                </a:solidFill>
+                <a:latin typeface="Consolas" panose="020B0609020204030204" pitchFamily="49" charset="0"/>
+              </a:rPr>
+              <a:t>UnitCost</a:t>
+            </a:r>
+            <a:r>
+              <a:rPr lang="en-US" dirty="0">
+                <a:solidFill>
+                  <a:srgbClr val="001080"/>
+                </a:solidFill>
+                <a:latin typeface="Consolas" panose="020B0609020204030204" pitchFamily="49" charset="0"/>
+              </a:rPr>
+              <a:t>]</a:t>
+            </a:r>
+            <a:r>
+              <a:rPr lang="en-US" dirty="0">
+                <a:solidFill>
+                  <a:srgbClr val="000000"/>
+                </a:solidFill>
+                <a:latin typeface="Consolas" panose="020B0609020204030204" pitchFamily="49" charset="0"/>
+              </a:rPr>
+              <a:t>),</a:t>
+            </a:r>
+            <a:r>
+              <a:rPr lang="en-US" dirty="0" err="1">
+                <a:solidFill>
+                  <a:srgbClr val="001080"/>
+                </a:solidFill>
+                <a:latin typeface="Consolas" panose="020B0609020204030204" pitchFamily="49" charset="0"/>
+              </a:rPr>
+              <a:t>DimDate</a:t>
+            </a:r>
+            <a:r>
+              <a:rPr lang="en-US" dirty="0">
+                <a:solidFill>
+                  <a:srgbClr val="001080"/>
+                </a:solidFill>
+                <a:latin typeface="Consolas" panose="020B0609020204030204" pitchFamily="49" charset="0"/>
+              </a:rPr>
+              <a:t>[Year]</a:t>
+            </a:r>
+            <a:r>
+              <a:rPr lang="en-US" dirty="0">
+                <a:solidFill>
+                  <a:srgbClr val="000000"/>
+                </a:solidFill>
+                <a:latin typeface="Consolas" panose="020B0609020204030204" pitchFamily="49" charset="0"/>
+              </a:rPr>
+              <a:t>=</a:t>
+            </a:r>
+            <a:r>
+              <a:rPr lang="en-US" dirty="0">
+                <a:solidFill>
+                  <a:srgbClr val="098658"/>
+                </a:solidFill>
+                <a:latin typeface="Consolas" panose="020B0609020204030204" pitchFamily="49" charset="0"/>
+              </a:rPr>
+              <a:t>2019</a:t>
+            </a:r>
+            <a:r>
+              <a:rPr lang="en-US" dirty="0">
+                <a:solidFill>
+                  <a:srgbClr val="000000"/>
+                </a:solidFill>
+                <a:latin typeface="Consolas" panose="020B0609020204030204" pitchFamily="49" charset="0"/>
+              </a:rPr>
+              <a:t>)</a:t>
+            </a:r>
+            <a:endParaRPr lang="en-US" b="0" dirty="0">
+              <a:solidFill>
+                <a:srgbClr val="000000"/>
+              </a:solidFill>
+              <a:effectLst/>
+              <a:latin typeface="Consolas" panose="020B0609020204030204" pitchFamily="49" charset="0"/>
+            </a:endParaRPr>
+          </a:p>
+        </p:txBody>
+      </p:sp>
     </p:spTree>
     <p:extLst>
       <p:ext uri="{BB962C8B-B14F-4D97-AF65-F5344CB8AC3E}">
@@ -4040,7 +4337,7 @@
         <p:spPr>
           <a:xfrm>
             <a:off x="513374" y="869588"/>
-            <a:ext cx="6990953" cy="388696"/>
+            <a:ext cx="6561668" cy="388696"/>
           </a:xfrm>
           <a:prstGeom prst="rect">
             <a:avLst/>
@@ -4066,47 +4363,15 @@
                 <a:ea typeface="Calibri" panose="020F0502020204030204" pitchFamily="34" charset="0"/>
                 <a:cs typeface="Times New Roman" panose="02020603050405020304" pitchFamily="18" charset="0"/>
               </a:rPr>
-              <a:t>And </a:t>
-            </a:r>
-            <a:r>
-              <a:rPr lang="en" dirty="0" err="1">
+              <a:t>And then </a:t>
+            </a:r>
+            <a:r>
+              <a:rPr lang="en" dirty="0" smtClean="0">
                 <a:latin typeface="Segoe UI" panose="020B0502040204020203" pitchFamily="34" charset="0"/>
                 <a:ea typeface="Calibri" panose="020F0502020204030204" pitchFamily="34" charset="0"/>
                 <a:cs typeface="Times New Roman" panose="02020603050405020304" pitchFamily="18" charset="0"/>
               </a:rPr>
-              <a:t>then</a:t>
-            </a:r>
-            <a:r>
-              <a:rPr lang="en" dirty="0">
-                <a:latin typeface="Segoe UI" panose="020B0502040204020203" pitchFamily="34" charset="0"/>
-                <a:ea typeface="Calibri" panose="020F0502020204030204" pitchFamily="34" charset="0"/>
-                <a:cs typeface="Times New Roman" panose="02020603050405020304" pitchFamily="18" charset="0"/>
-              </a:rPr>
-              <a:t> </a:t>
-            </a:r>
-            <a:r>
-              <a:rPr lang="en" dirty="0" err="1">
-                <a:latin typeface="Segoe UI" panose="020B0502040204020203" pitchFamily="34" charset="0"/>
-                <a:ea typeface="Calibri" panose="020F0502020204030204" pitchFamily="34" charset="0"/>
-                <a:cs typeface="Times New Roman" panose="02020603050405020304" pitchFamily="18" charset="0"/>
-              </a:rPr>
-              <a:t>add</a:t>
-            </a:r>
-            <a:r>
-              <a:rPr lang="en" dirty="0">
-                <a:latin typeface="Segoe UI" panose="020B0502040204020203" pitchFamily="34" charset="0"/>
-                <a:ea typeface="Calibri" panose="020F0502020204030204" pitchFamily="34" charset="0"/>
-                <a:cs typeface="Times New Roman" panose="02020603050405020304" pitchFamily="18" charset="0"/>
-              </a:rPr>
-              <a:t> </a:t>
-            </a:r>
-            <a:r>
-              <a:rPr lang="en" b="1" dirty="0" err="1" smtClean="0">
-                <a:latin typeface="Segoe UI" panose="020B0502040204020203" pitchFamily="34" charset="0"/>
-                <a:ea typeface="Calibri" panose="020F0502020204030204" pitchFamily="34" charset="0"/>
-                <a:cs typeface="Times New Roman" panose="02020603050405020304" pitchFamily="18" charset="0"/>
-              </a:rPr>
-              <a:t>Calendar year</a:t>
+              <a:t>add a </a:t>
             </a:r>
             <a:r>
               <a:rPr lang="en" b="1" dirty="0" smtClean="0">
@@ -4114,39 +4379,7 @@
                 <a:ea typeface="Calibri" panose="020F0502020204030204" pitchFamily="34" charset="0"/>
                 <a:cs typeface="Times New Roman" panose="02020603050405020304" pitchFamily="18" charset="0"/>
               </a:rPr>
-              <a:t> </a:t>
-            </a:r>
-            <a:r>
-              <a:rPr lang="en" dirty="0">
-                <a:latin typeface="Segoe UI" panose="020B0502040204020203" pitchFamily="34" charset="0"/>
-                <a:ea typeface="Calibri" panose="020F0502020204030204" pitchFamily="34" charset="0"/>
-                <a:cs typeface="Times New Roman" panose="02020603050405020304" pitchFamily="18" charset="0"/>
-              </a:rPr>
-              <a:t>and </a:t>
-            </a:r>
-            <a:r>
-              <a:rPr lang="en" b="1" dirty="0" err="1" smtClean="0">
-                <a:latin typeface="Segoe UI" panose="020B0502040204020203" pitchFamily="34" charset="0"/>
-                <a:ea typeface="Calibri" panose="020F0502020204030204" pitchFamily="34" charset="0"/>
-                <a:cs typeface="Times New Roman" panose="02020603050405020304" pitchFamily="18" charset="0"/>
-              </a:rPr>
-              <a:t>the name of the month in English</a:t>
-            </a:r>
-            <a:r>
-              <a:rPr lang="en" b="1" dirty="0" smtClean="0">
-                <a:latin typeface="Segoe UI" panose="020B0502040204020203" pitchFamily="34" charset="0"/>
-                <a:ea typeface="Calibri" panose="020F0502020204030204" pitchFamily="34" charset="0"/>
-                <a:cs typeface="Times New Roman" panose="02020603050405020304" pitchFamily="18" charset="0"/>
-              </a:rPr>
-              <a:t> </a:t>
-            </a:r>
-            <a:r>
-              <a:rPr lang="en" dirty="0">
-                <a:latin typeface="Segoe UI" panose="020B0502040204020203" pitchFamily="34" charset="0"/>
-                <a:ea typeface="Calibri" panose="020F0502020204030204" pitchFamily="34" charset="0"/>
-                <a:cs typeface="Times New Roman" panose="02020603050405020304" pitchFamily="18" charset="0"/>
-              </a:rPr>
-              <a:t>to </a:t>
+              <a:t>Line chart </a:t>
             </a:r>
             <a:r>
               <a:rPr lang="en" dirty="0" smtClean="0">
@@ -4154,7 +4387,7 @@
                 <a:ea typeface="Calibri" panose="020F0502020204030204" pitchFamily="34" charset="0"/>
                 <a:cs typeface="Times New Roman" panose="02020603050405020304" pitchFamily="18" charset="0"/>
               </a:rPr>
-              <a:t>the X axis</a:t>
+              <a:t> visual to the scene and configure it </a:t>
             </a:r>
             <a:endParaRPr lang="en-US" sz="1400" dirty="0">
               <a:effectLst/>
@@ -4167,7 +4400,7 @@
       </p:sp>
       <p:pic>
         <p:nvPicPr>
-          <p:cNvPr id="4" name="Picture 3"/>
+          <p:cNvPr id="5" name="Picture 4"/>
           <p:cNvPicPr>
             <a:picLocks noChangeAspect="1"/>
           </p:cNvPicPr>
@@ -4181,24 +4414,134 @@
         </p:blipFill>
         <p:spPr>
           <a:xfrm>
-            <a:off x="689486" y="1473702"/>
-            <a:ext cx="7125248" cy="3917157"/>
+            <a:off x="451449" y="1473702"/>
+            <a:ext cx="5953956" cy="3324689"/>
           </a:xfrm>
           <a:prstGeom prst="rect">
             <a:avLst/>
           </a:prstGeom>
+        </p:spPr>
+      </p:pic>
+      <p:pic>
+        <p:nvPicPr>
+          <p:cNvPr id="6" name="Picture 5"/>
+          <p:cNvPicPr>
+            <a:picLocks noChangeAspect="1"/>
+          </p:cNvPicPr>
+          <p:nvPr/>
+        </p:nvPicPr>
+        <p:blipFill>
+          <a:blip r:embed="rId3"/>
+          <a:stretch>
+            <a:fillRect/>
+          </a:stretch>
+        </p:blipFill>
+        <p:spPr>
+          <a:xfrm>
+            <a:off x="6717201" y="1583706"/>
+            <a:ext cx="2436681" cy="2335152"/>
+          </a:xfrm>
+          <a:prstGeom prst="rect">
+            <a:avLst/>
+          </a:prstGeom>
+        </p:spPr>
+      </p:pic>
+      <p:sp>
+        <p:nvSpPr>
+          <p:cNvPr id="7" name="Rectangle 6"/>
+          <p:cNvSpPr/>
+          <p:nvPr/>
+        </p:nvSpPr>
+        <p:spPr>
+          <a:xfrm>
+            <a:off x="6857236" y="2722573"/>
+            <a:ext cx="2296646" cy="309385"/>
+          </a:xfrm>
+          <a:prstGeom prst="rect">
+            <a:avLst/>
+          </a:prstGeom>
+          <a:solidFill>
+            <a:srgbClr val="FF0000">
+              <a:alpha val="15000"/>
+            </a:srgbClr>
+          </a:solidFill>
           <a:ln>
             <a:noFill/>
           </a:ln>
-          <a:effectLst>
-            <a:outerShdw blurRad="292100" dist="139700" dir="2700000" algn="tl" rotWithShape="0">
-              <a:srgbClr val="333333">
-                <a:alpha val="65000"/>
-              </a:srgbClr>
-            </a:outerShdw>
-          </a:effectLst>
-        </p:spPr>
-      </p:pic>
+        </p:spPr>
+        <p:style>
+          <a:lnRef idx="2">
+            <a:schemeClr val="accent1">
+              <a:shade val="50000"/>
+            </a:schemeClr>
+          </a:lnRef>
+          <a:fillRef idx="1">
+            <a:schemeClr val="accent1"/>
+          </a:fillRef>
+          <a:effectRef idx="0">
+            <a:schemeClr val="accent1"/>
+          </a:effectRef>
+          <a:fontRef idx="minor">
+            <a:schemeClr val="lt1"/>
+          </a:fontRef>
+        </p:style>
+        <p:txBody>
+          <a:bodyPr rtlCol="0" anchor="ctr"/>
+          <a:lstStyle/>
+          <a:p>
+            <a:pPr algn="ctr"/>
+            <a:endParaRPr lang="en-US"/>
+          </a:p>
+        </p:txBody>
+      </p:sp>
+      <p:sp>
+        <p:nvSpPr>
+          <p:cNvPr id="8" name="Rectangle 7"/>
+          <p:cNvSpPr/>
+          <p:nvPr/>
+        </p:nvSpPr>
+        <p:spPr>
+          <a:xfrm>
+            <a:off x="6787218" y="3514365"/>
+            <a:ext cx="2296646" cy="309385"/>
+          </a:xfrm>
+          <a:prstGeom prst="rect">
+            <a:avLst/>
+          </a:prstGeom>
+          <a:solidFill>
+            <a:srgbClr val="FF0000">
+              <a:alpha val="15000"/>
+            </a:srgbClr>
+          </a:solidFill>
+          <a:ln>
+            <a:noFill/>
+          </a:ln>
+        </p:spPr>
+        <p:style>
+          <a:lnRef idx="2">
+            <a:schemeClr val="accent1">
+              <a:shade val="50000"/>
+            </a:schemeClr>
+          </a:lnRef>
+          <a:fillRef idx="1">
+            <a:schemeClr val="accent1"/>
+          </a:fillRef>
+          <a:effectRef idx="0">
+            <a:schemeClr val="accent1"/>
+          </a:effectRef>
+          <a:fontRef idx="minor">
+            <a:schemeClr val="lt1"/>
+          </a:fontRef>
+        </p:style>
+        <p:txBody>
+          <a:bodyPr rtlCol="0" anchor="ctr"/>
+          <a:lstStyle/>
+          <a:p>
+            <a:pPr algn="ctr"/>
+            <a:endParaRPr lang="en-US"/>
+          </a:p>
+        </p:txBody>
+      </p:sp>
     </p:spTree>
     <p:extLst>
       <p:ext uri="{BB962C8B-B14F-4D97-AF65-F5344CB8AC3E}">
@@ -4274,7 +4617,7 @@
         <p:spPr>
           <a:xfrm>
             <a:off x="456055" y="812396"/>
-            <a:ext cx="10709250" cy="373692"/>
+            <a:ext cx="10709250" cy="388696"/>
           </a:xfrm>
           <a:prstGeom prst="rect">
             <a:avLst/>
@@ -4310,7 +4653,7 @@
                 <a:ea typeface="Calibri" panose="020F0502020204030204" pitchFamily="34" charset="0"/>
                 <a:cs typeface="Times New Roman" panose="02020603050405020304" pitchFamily="18" charset="0"/>
               </a:rPr>
-              <a:t>zone</a:t>
+              <a:t>Area</a:t>
             </a:r>
             <a:r>
               <a:rPr lang="en" dirty="0" smtClean="0">
@@ -4330,7 +4673,7 @@
       </p:sp>
       <p:pic>
         <p:nvPicPr>
-          <p:cNvPr id="3" name="Picture 2"/>
+          <p:cNvPr id="5" name="Picture 4"/>
           <p:cNvPicPr>
             <a:picLocks noChangeAspect="1"/>
           </p:cNvPicPr>
@@ -4344,8 +4687,8 @@
         </p:blipFill>
         <p:spPr>
           <a:xfrm>
-            <a:off x="1473832" y="1476081"/>
-            <a:ext cx="7859222" cy="4210638"/>
+            <a:off x="923274" y="1359318"/>
+            <a:ext cx="6522553" cy="3646552"/>
           </a:xfrm>
           <a:prstGeom prst="rect">
             <a:avLst/>
@@ -4499,7 +4842,7 @@
       </p:sp>
       <p:pic>
         <p:nvPicPr>
-          <p:cNvPr id="5" name="Picture 4"/>
+          <p:cNvPr id="3" name="Picture 2"/>
           <p:cNvPicPr>
             <a:picLocks noChangeAspect="1"/>
           </p:cNvPicPr>
@@ -4513,8 +4856,8 @@
         </p:blipFill>
         <p:spPr>
           <a:xfrm>
-            <a:off x="1624522" y="1414694"/>
-            <a:ext cx="7859222" cy="4248743"/>
+            <a:off x="943900" y="1443566"/>
+            <a:ext cx="5725324" cy="3200847"/>
           </a:xfrm>
           <a:prstGeom prst="rect">
             <a:avLst/>
@@ -4733,21 +5076,22 @@
       </p:sp>
       <p:pic>
         <p:nvPicPr>
-          <p:cNvPr id="5" name="Picture 4"/>
+          <p:cNvPr id="10" name="Picture 9"/>
           <p:cNvPicPr>
             <a:picLocks noChangeAspect="1"/>
           </p:cNvPicPr>
           <p:nvPr/>
         </p:nvPicPr>
-        <p:blipFill rotWithShape="1">
-          <a:blip r:embed="rId2"/>
-          <a:srcRect l="2834" t="11526" r="56882" b="10795"/>
-          <a:stretch/>
+        <p:blipFill>
+          <a:blip r:embed="rId3"/>
+          <a:stretch>
+            <a:fillRect/>
+          </a:stretch>
         </p:blipFill>
         <p:spPr>
           <a:xfrm>
-            <a:off x="1133340" y="1359318"/>
-            <a:ext cx="2982384" cy="3081097"/>
+            <a:off x="689518" y="1489947"/>
+            <a:ext cx="6522553" cy="3646552"/>
           </a:xfrm>
           <a:prstGeom prst="rect">
             <a:avLst/>
@@ -4756,21 +5100,22 @@
       </p:pic>
       <p:pic>
         <p:nvPicPr>
-          <p:cNvPr id="7" name="Picture 6"/>
+          <p:cNvPr id="11" name="Picture 10"/>
           <p:cNvPicPr>
             <a:picLocks noChangeAspect="1"/>
           </p:cNvPicPr>
           <p:nvPr/>
         </p:nvPicPr>
-        <p:blipFill rotWithShape="1">
-          <a:blip r:embed="rId3"/>
-          <a:srcRect l="1948" t="18161" r="55602" b="9149"/>
-          <a:stretch/>
+        <p:blipFill>
+          <a:blip r:embed="rId4"/>
+          <a:stretch>
+            <a:fillRect/>
+          </a:stretch>
         </p:blipFill>
         <p:spPr>
           <a:xfrm>
-            <a:off x="4648200" y="1359318"/>
-            <a:ext cx="3458633" cy="3201747"/>
+            <a:off x="5179017" y="2551856"/>
+            <a:ext cx="5725324" cy="3200847"/>
           </a:xfrm>
           <a:prstGeom prst="rect">
             <a:avLst/>
@@ -4779,14 +5124,14 @@
       </p:pic>
       <p:sp>
         <p:nvSpPr>
-          <p:cNvPr id="3" name="Rectangle 2"/>
+          <p:cNvPr id="8" name="Rectangle 7"/>
           <p:cNvSpPr/>
           <p:nvPr/>
         </p:nvSpPr>
         <p:spPr>
           <a:xfrm>
-            <a:off x="965200" y="1201092"/>
-            <a:ext cx="622300" cy="2793058"/>
+            <a:off x="5326735" y="3052584"/>
+            <a:ext cx="622300" cy="1993804"/>
           </a:xfrm>
           <a:prstGeom prst="rect">
             <a:avLst/>
@@ -4827,14 +5172,14 @@
       </p:sp>
       <p:sp>
         <p:nvSpPr>
-          <p:cNvPr id="8" name="Rectangle 7"/>
+          <p:cNvPr id="3" name="Rectangle 2"/>
           <p:cNvSpPr/>
           <p:nvPr/>
         </p:nvSpPr>
         <p:spPr>
           <a:xfrm>
-            <a:off x="4565650" y="1201092"/>
-            <a:ext cx="622300" cy="2793058"/>
+            <a:off x="937699" y="2213811"/>
+            <a:ext cx="622300" cy="2069194"/>
           </a:xfrm>
           <a:prstGeom prst="rect">
             <a:avLst/>
@@ -4941,6 +5286,311 @@
       </p:sp>
       <p:sp>
         <p:nvSpPr>
+          <p:cNvPr id="5" name="Rectangle 4"/>
+          <p:cNvSpPr/>
+          <p:nvPr/>
+        </p:nvSpPr>
+        <p:spPr>
+          <a:xfrm>
+            <a:off x="373551" y="781025"/>
+            <a:ext cx="10998009" cy="646331"/>
+          </a:xfrm>
+          <a:prstGeom prst="rect">
+            <a:avLst/>
+          </a:prstGeom>
+        </p:spPr>
+        <p:txBody>
+          <a:bodyPr wrap="square">
+            <a:spAutoFit/>
+          </a:bodyPr>
+          <a:lstStyle/>
+          <a:p>
+            <a:r>
+              <a:rPr lang="en-US" dirty="0"/>
+              <a:t>Both are </a:t>
+            </a:r>
+            <a:r>
+              <a:rPr lang="en-US" b="1" dirty="0"/>
+              <a:t>area charts</a:t>
+            </a:r>
+            <a:r>
+              <a:rPr lang="en-US" dirty="0"/>
+              <a:t> that show how values change over a continuous axis (usually time), but they </a:t>
+            </a:r>
+            <a:r>
+              <a:rPr lang="en-US" b="1" dirty="0"/>
+              <a:t>display categories differently</a:t>
+            </a:r>
+            <a:r>
+              <a:rPr lang="en-US" dirty="0"/>
+              <a:t>.</a:t>
+            </a:r>
+          </a:p>
+        </p:txBody>
+      </p:sp>
+      <p:sp>
+        <p:nvSpPr>
+          <p:cNvPr id="6" name="Rectangle 5"/>
+          <p:cNvSpPr/>
+          <p:nvPr/>
+        </p:nvSpPr>
+        <p:spPr>
+          <a:xfrm>
+            <a:off x="462928" y="1675700"/>
+            <a:ext cx="7409161" cy="923330"/>
+          </a:xfrm>
+          <a:prstGeom prst="rect">
+            <a:avLst/>
+          </a:prstGeom>
+        </p:spPr>
+        <p:txBody>
+          <a:bodyPr wrap="square">
+            <a:spAutoFit/>
+          </a:bodyPr>
+          <a:lstStyle/>
+          <a:p>
+            <a:r>
+              <a:rPr lang="en-US" b="1" dirty="0"/>
+              <a:t>Area Chart (Regular Area)</a:t>
+            </a:r>
+          </a:p>
+          <a:p>
+            <a:pPr>
+              <a:buFont typeface="Arial" panose="020B0604020202020204" pitchFamily="34" charset="0"/>
+              <a:buChar char="•"/>
+            </a:pPr>
+            <a:r>
+              <a:rPr lang="en-US" dirty="0"/>
+              <a:t>Shows </a:t>
+            </a:r>
+            <a:r>
+              <a:rPr lang="en-US" b="1" dirty="0"/>
+              <a:t>only one measure</a:t>
+            </a:r>
+            <a:r>
+              <a:rPr lang="en-US" dirty="0"/>
+              <a:t> at a time.</a:t>
+            </a:r>
+          </a:p>
+          <a:p>
+            <a:pPr>
+              <a:buFont typeface="Arial" panose="020B0604020202020204" pitchFamily="34" charset="0"/>
+              <a:buChar char="•"/>
+            </a:pPr>
+            <a:r>
+              <a:rPr lang="en-US" dirty="0"/>
+              <a:t>The area under the line is filled to emphasize the magnitude of a trend</a:t>
+            </a:r>
+            <a:r>
+              <a:rPr lang="en-US" dirty="0" smtClean="0"/>
+              <a:t>.</a:t>
+            </a:r>
+            <a:endParaRPr lang="en-US" dirty="0"/>
+          </a:p>
+        </p:txBody>
+      </p:sp>
+      <p:sp>
+        <p:nvSpPr>
+          <p:cNvPr id="7" name="Rectangle 6"/>
+          <p:cNvSpPr/>
+          <p:nvPr/>
+        </p:nvSpPr>
+        <p:spPr>
+          <a:xfrm>
+            <a:off x="462927" y="2696216"/>
+            <a:ext cx="11939911" cy="1200329"/>
+          </a:xfrm>
+          <a:prstGeom prst="rect">
+            <a:avLst/>
+          </a:prstGeom>
+        </p:spPr>
+        <p:txBody>
+          <a:bodyPr wrap="square">
+            <a:spAutoFit/>
+          </a:bodyPr>
+          <a:lstStyle/>
+          <a:p>
+            <a:r>
+              <a:rPr lang="en-US" b="1" dirty="0"/>
+              <a:t>Stacked Area Chart</a:t>
+            </a:r>
+          </a:p>
+          <a:p>
+            <a:pPr>
+              <a:buFont typeface="Arial" panose="020B0604020202020204" pitchFamily="34" charset="0"/>
+              <a:buChar char="•"/>
+            </a:pPr>
+            <a:r>
+              <a:rPr lang="en-US" b="1" dirty="0"/>
+              <a:t>Breaks down</a:t>
+            </a:r>
+            <a:r>
+              <a:rPr lang="en-US" dirty="0"/>
+              <a:t> the measure by a category (like Product, Channel, Region).</a:t>
+            </a:r>
+          </a:p>
+          <a:p>
+            <a:pPr>
+              <a:buFont typeface="Arial" panose="020B0604020202020204" pitchFamily="34" charset="0"/>
+              <a:buChar char="•"/>
+            </a:pPr>
+            <a:r>
+              <a:rPr lang="en-US" dirty="0"/>
+              <a:t>Each colored area shows a </a:t>
+            </a:r>
+            <a:r>
+              <a:rPr lang="en-US" b="1" dirty="0"/>
+              <a:t>portion of the total</a:t>
+            </a:r>
+            <a:r>
+              <a:rPr lang="en-US" dirty="0"/>
+              <a:t>.</a:t>
+            </a:r>
+          </a:p>
+          <a:p>
+            <a:pPr>
+              <a:buFont typeface="Arial" panose="020B0604020202020204" pitchFamily="34" charset="0"/>
+              <a:buChar char="•"/>
+            </a:pPr>
+            <a:r>
+              <a:rPr lang="en-US" dirty="0"/>
+              <a:t>Areas are </a:t>
+            </a:r>
+            <a:r>
+              <a:rPr lang="en-US" b="1" dirty="0"/>
+              <a:t>stacked on top of each other</a:t>
+            </a:r>
+            <a:r>
+              <a:rPr lang="en-US" dirty="0"/>
+              <a:t>, so the top line represents the </a:t>
+            </a:r>
+            <a:r>
+              <a:rPr lang="en-US" b="1" dirty="0"/>
+              <a:t>cumulative total</a:t>
+            </a:r>
+            <a:r>
+              <a:rPr lang="en-US" dirty="0"/>
+              <a:t>.</a:t>
+            </a:r>
+          </a:p>
+        </p:txBody>
+      </p:sp>
+      <p:pic>
+        <p:nvPicPr>
+          <p:cNvPr id="12" name="Picture 11"/>
+          <p:cNvPicPr>
+            <a:picLocks noChangeAspect="1"/>
+          </p:cNvPicPr>
+          <p:nvPr/>
+        </p:nvPicPr>
+        <p:blipFill>
+          <a:blip r:embed="rId3"/>
+          <a:stretch>
+            <a:fillRect/>
+          </a:stretch>
+        </p:blipFill>
+        <p:spPr>
+          <a:xfrm>
+            <a:off x="8071877" y="1427356"/>
+            <a:ext cx="3100303" cy="1733281"/>
+          </a:xfrm>
+          <a:prstGeom prst="rect">
+            <a:avLst/>
+          </a:prstGeom>
+        </p:spPr>
+      </p:pic>
+      <p:pic>
+        <p:nvPicPr>
+          <p:cNvPr id="13" name="Picture 12"/>
+          <p:cNvPicPr>
+            <a:picLocks noChangeAspect="1"/>
+          </p:cNvPicPr>
+          <p:nvPr/>
+        </p:nvPicPr>
+        <p:blipFill>
+          <a:blip r:embed="rId4"/>
+          <a:stretch>
+            <a:fillRect/>
+          </a:stretch>
+        </p:blipFill>
+        <p:spPr>
+          <a:xfrm>
+            <a:off x="7948123" y="3993731"/>
+            <a:ext cx="3224057" cy="1802468"/>
+          </a:xfrm>
+          <a:prstGeom prst="rect">
+            <a:avLst/>
+          </a:prstGeom>
+        </p:spPr>
+      </p:pic>
+    </p:spTree>
+    <p:extLst>
+      <p:ext uri="{BB962C8B-B14F-4D97-AF65-F5344CB8AC3E}">
+        <p14:creationId xmlns:p14="http://schemas.microsoft.com/office/powerpoint/2010/main" val="4071597151"/>
+      </p:ext>
+    </p:extLst>
+  </p:cSld>
+  <p:clrMapOvr>
+    <a:masterClrMapping/>
+  </p:clrMapOvr>
+</p:sld>
+</file>
+
+<file path=ppt/slides/slide8.xml><?xml version="1.0" encoding="utf-8"?>
+<p:sld xmlns:a="http://schemas.openxmlformats.org/drawingml/2006/main" xmlns:r="http://schemas.openxmlformats.org/officeDocument/2006/relationships" xmlns:p="http://schemas.openxmlformats.org/presentationml/2006/main">
+  <p:cSld>
+    <p:spTree>
+      <p:nvGrpSpPr>
+        <p:cNvPr id="1" name=""/>
+        <p:cNvGrpSpPr/>
+        <p:nvPr/>
+      </p:nvGrpSpPr>
+      <p:grpSpPr>
+        <a:xfrm>
+          <a:off x="0" y="0"/>
+          <a:ext cx="0" cy="0"/>
+          <a:chOff x="0" y="0"/>
+          <a:chExt cx="0" cy="0"/>
+        </a:xfrm>
+      </p:grpSpPr>
+      <p:sp>
+        <p:nvSpPr>
+          <p:cNvPr id="2" name="TextBox 1"/>
+          <p:cNvSpPr txBox="1"/>
+          <p:nvPr/>
+        </p:nvSpPr>
+        <p:spPr>
+          <a:xfrm>
+            <a:off x="323133" y="192505"/>
+            <a:ext cx="2301399" cy="461665"/>
+          </a:xfrm>
+          <a:prstGeom prst="rect">
+            <a:avLst/>
+          </a:prstGeom>
+          <a:noFill/>
+        </p:spPr>
+        <p:txBody>
+          <a:bodyPr wrap="none" rtlCol="0">
+            <a:spAutoFit/>
+          </a:bodyPr>
+          <a:lstStyle/>
+          <a:p>
+            <a:r>
+              <a:rPr lang="en" sz="2400" dirty="0" smtClean="0">
+                <a:latin typeface="Segoe UI" panose="020B0502040204020203" pitchFamily="34" charset="0"/>
+                <a:cs typeface="Segoe UI" panose="020B0502040204020203" pitchFamily="34" charset="0"/>
+              </a:rPr>
+              <a:t>Lines and zones</a:t>
+            </a:r>
+            <a:endParaRPr lang="en-US" sz="2400" dirty="0">
+              <a:latin typeface="Segoe UI" panose="020B0502040204020203" pitchFamily="34" charset="0"/>
+              <a:cs typeface="Segoe UI" panose="020B0502040204020203" pitchFamily="34" charset="0"/>
+            </a:endParaRPr>
+          </a:p>
+        </p:txBody>
+      </p:sp>
+      <p:sp>
+        <p:nvSpPr>
           <p:cNvPr id="4" name="Rectangle 3"/>
           <p:cNvSpPr/>
           <p:nvPr/>
@@ -5036,7 +5686,7 @@
       </p:sp>
       <p:pic>
         <p:nvPicPr>
-          <p:cNvPr id="3" name="Picture 2"/>
+          <p:cNvPr id="6" name="Picture 5"/>
           <p:cNvPicPr>
             <a:picLocks noChangeAspect="1"/>
           </p:cNvPicPr>
@@ -5050,22 +5700,12 @@
         </p:blipFill>
         <p:spPr>
           <a:xfrm>
-            <a:off x="922707" y="1428535"/>
-            <a:ext cx="7868748" cy="4372585"/>
+            <a:off x="934373" y="1563634"/>
+            <a:ext cx="5744377" cy="3153215"/>
           </a:xfrm>
           <a:prstGeom prst="rect">
             <a:avLst/>
           </a:prstGeom>
-          <a:ln>
-            <a:noFill/>
-          </a:ln>
-          <a:effectLst>
-            <a:outerShdw blurRad="292100" dist="139700" dir="2700000" algn="tl" rotWithShape="0">
-              <a:srgbClr val="333333">
-                <a:alpha val="65000"/>
-              </a:srgbClr>
-            </a:outerShdw>
-          </a:effectLst>
         </p:spPr>
       </p:pic>
     </p:spTree>
@@ -5081,7 +5721,7 @@
 </p:sld>
 </file>
 
-<file path=ppt/slides/slide8.xml><?xml version="1.0" encoding="utf-8"?>
+<file path=ppt/slides/slide9.xml><?xml version="1.0" encoding="utf-8"?>
 <p:sld xmlns:a="http://schemas.openxmlformats.org/drawingml/2006/main" xmlns:r="http://schemas.openxmlformats.org/officeDocument/2006/relationships" xmlns:p="http://schemas.openxmlformats.org/presentationml/2006/main">
   <p:cSld>
     <p:bg>
